--- a/docker swarm setup.pptx
+++ b/docker swarm setup.pptx
@@ -5,14 +5,15 @@
     <p:sldMasterId id="2147483648" r:id="rId1"/>
   </p:sldMasterIdLst>
   <p:notesMasterIdLst>
-    <p:notesMasterId r:id="rId7"/>
+    <p:notesMasterId r:id="rId8"/>
   </p:notesMasterIdLst>
   <p:sldIdLst>
     <p:sldId id="256" r:id="rId2"/>
-    <p:sldId id="258" r:id="rId3"/>
-    <p:sldId id="259" r:id="rId4"/>
-    <p:sldId id="260" r:id="rId5"/>
-    <p:sldId id="261" r:id="rId6"/>
+    <p:sldId id="259" r:id="rId3"/>
+    <p:sldId id="262" r:id="rId4"/>
+    <p:sldId id="258" r:id="rId5"/>
+    <p:sldId id="260" r:id="rId6"/>
+    <p:sldId id="261" r:id="rId7"/>
   </p:sldIdLst>
   <p:sldSz cx="12192000" cy="6858000"/>
   <p:notesSz cx="6858000" cy="9144000"/>
@@ -119,10 +120,6 @@
 </p:presentation>
 </file>
 
-<file path=ppt/revisionInfo.xml><?xml version="1.0" encoding="utf-8"?>
-<p1510:revInfo xmlns:a="http://schemas.openxmlformats.org/drawingml/2006/main" xmlns:r="http://schemas.openxmlformats.org/officeDocument/2006/relationships" xmlns:p1510="http://schemas.microsoft.com/office/powerpoint/2015/10/main"/>
-</file>
-
 <file path=ppt/notesMasters/notesMaster1.xml><?xml version="1.0" encoding="utf-8"?>
 <p:notesMaster xmlns:a="http://schemas.openxmlformats.org/drawingml/2006/main" xmlns:r="http://schemas.openxmlformats.org/officeDocument/2006/relationships" xmlns:p="http://schemas.openxmlformats.org/presentationml/2006/main">
   <p:cSld>
@@ -205,7 +202,7 @@
           <a:p>
             <a:fld id="{5C0A3DE4-1DCA-4304-88D4-B3009782D46A}" type="datetimeFigureOut">
               <a:rPr lang="en-US" smtClean="0"/>
-              <a:t>3/3/2018</a:t>
+              <a:t>3/4/2018</a:t>
             </a:fld>
             <a:endParaRPr lang="en-US"/>
           </a:p>
@@ -522,7 +519,7 @@
           <a:noFill/>
           <a:extLst>
             <a:ext uri="{909E8E84-426E-40dd-AFC4-6F175D3DCCD1}">
-              <a14:hiddenFill xmlns="" xmlns:a14="http://schemas.microsoft.com/office/drawing/2010/main">
+              <a14:hiddenFill xmlns:a14="http://schemas.microsoft.com/office/drawing/2010/main" xmlns="">
                 <a:solidFill>
                   <a:srgbClr val="FFFFFF"/>
                 </a:solidFill>
@@ -582,7 +579,7 @@
             </a:ln>
             <a:extLst>
               <a:ext uri="{91240B29-F687-4f45-9708-019B960494DF}">
-                <a14:hiddenLine xmlns="" xmlns:a14="http://schemas.microsoft.com/office/drawing/2010/main" w="9525">
+                <a14:hiddenLine xmlns:a14="http://schemas.microsoft.com/office/drawing/2010/main" xmlns="" w="9525">
                   <a:solidFill>
                     <a:srgbClr val="000000"/>
                   </a:solidFill>
@@ -672,7 +669,7 @@
             </a:ln>
             <a:extLst>
               <a:ext uri="{91240B29-F687-4f45-9708-019B960494DF}">
-                <a14:hiddenLine xmlns="" xmlns:a14="http://schemas.microsoft.com/office/drawing/2010/main" w="9525">
+                <a14:hiddenLine xmlns:a14="http://schemas.microsoft.com/office/drawing/2010/main" xmlns="" w="9525">
                   <a:solidFill>
                     <a:srgbClr val="000000"/>
                   </a:solidFill>
@@ -762,7 +759,7 @@
             </a:ln>
             <a:extLst>
               <a:ext uri="{91240B29-F687-4f45-9708-019B960494DF}">
-                <a14:hiddenLine xmlns="" xmlns:a14="http://schemas.microsoft.com/office/drawing/2010/main" w="9525">
+                <a14:hiddenLine xmlns:a14="http://schemas.microsoft.com/office/drawing/2010/main" xmlns="" w="9525">
                   <a:solidFill>
                     <a:srgbClr val="000000"/>
                   </a:solidFill>
@@ -796,7 +793,7 @@
             </a:ln>
             <a:extLst>
               <a:ext uri="{91240B29-F687-4f45-9708-019B960494DF}">
-                <a14:hiddenLine xmlns="" xmlns:a14="http://schemas.microsoft.com/office/drawing/2010/main" w="9525">
+                <a14:hiddenLine xmlns:a14="http://schemas.microsoft.com/office/drawing/2010/main" xmlns="" w="9525">
                   <a:solidFill>
                     <a:srgbClr val="000000"/>
                   </a:solidFill>
@@ -886,7 +883,7 @@
             </a:ln>
             <a:extLst>
               <a:ext uri="{91240B29-F687-4f45-9708-019B960494DF}">
-                <a14:hiddenLine xmlns="" xmlns:a14="http://schemas.microsoft.com/office/drawing/2010/main" w="9525">
+                <a14:hiddenLine xmlns:a14="http://schemas.microsoft.com/office/drawing/2010/main" xmlns="" w="9525">
                   <a:solidFill>
                     <a:srgbClr val="000000"/>
                   </a:solidFill>
@@ -948,7 +945,7 @@
             </a:ln>
             <a:extLst>
               <a:ext uri="{91240B29-F687-4f45-9708-019B960494DF}">
-                <a14:hiddenLine xmlns="" xmlns:a14="http://schemas.microsoft.com/office/drawing/2010/main" w="9525">
+                <a14:hiddenLine xmlns:a14="http://schemas.microsoft.com/office/drawing/2010/main" xmlns="" w="9525">
                   <a:solidFill>
                     <a:srgbClr val="000000"/>
                   </a:solidFill>
@@ -1010,7 +1007,7 @@
             </a:ln>
             <a:extLst>
               <a:ext uri="{91240B29-F687-4f45-9708-019B960494DF}">
-                <a14:hiddenLine xmlns="" xmlns:a14="http://schemas.microsoft.com/office/drawing/2010/main" w="9525">
+                <a14:hiddenLine xmlns:a14="http://schemas.microsoft.com/office/drawing/2010/main" xmlns="" w="9525">
                   <a:solidFill>
                     <a:srgbClr val="000000"/>
                   </a:solidFill>
@@ -1100,7 +1097,7 @@
             </a:ln>
             <a:extLst>
               <a:ext uri="{91240B29-F687-4f45-9708-019B960494DF}">
-                <a14:hiddenLine xmlns="" xmlns:a14="http://schemas.microsoft.com/office/drawing/2010/main" w="9525">
+                <a14:hiddenLine xmlns:a14="http://schemas.microsoft.com/office/drawing/2010/main" xmlns="" w="9525">
                   <a:solidFill>
                     <a:srgbClr val="000000"/>
                   </a:solidFill>
@@ -1162,7 +1159,7 @@
             </a:ln>
             <a:extLst>
               <a:ext uri="{91240B29-F687-4f45-9708-019B960494DF}">
-                <a14:hiddenLine xmlns="" xmlns:a14="http://schemas.microsoft.com/office/drawing/2010/main" w="9525">
+                <a14:hiddenLine xmlns:a14="http://schemas.microsoft.com/office/drawing/2010/main" xmlns="" w="9525">
                   <a:solidFill>
                     <a:srgbClr val="000000"/>
                   </a:solidFill>
@@ -1224,7 +1221,7 @@
             </a:ln>
             <a:extLst>
               <a:ext uri="{91240B29-F687-4f45-9708-019B960494DF}">
-                <a14:hiddenLine xmlns="" xmlns:a14="http://schemas.microsoft.com/office/drawing/2010/main" w="9525">
+                <a14:hiddenLine xmlns:a14="http://schemas.microsoft.com/office/drawing/2010/main" xmlns="" w="9525">
                   <a:solidFill>
                     <a:srgbClr val="000000"/>
                   </a:solidFill>
@@ -1314,7 +1311,7 @@
             </a:ln>
             <a:extLst>
               <a:ext uri="{91240B29-F687-4f45-9708-019B960494DF}">
-                <a14:hiddenLine xmlns="" xmlns:a14="http://schemas.microsoft.com/office/drawing/2010/main" w="9525">
+                <a14:hiddenLine xmlns:a14="http://schemas.microsoft.com/office/drawing/2010/main" xmlns="" w="9525">
                   <a:solidFill>
                     <a:srgbClr val="000000"/>
                   </a:solidFill>
@@ -1404,7 +1401,7 @@
             </a:ln>
             <a:extLst>
               <a:ext uri="{91240B29-F687-4f45-9708-019B960494DF}">
-                <a14:hiddenLine xmlns="" xmlns:a14="http://schemas.microsoft.com/office/drawing/2010/main" w="9525">
+                <a14:hiddenLine xmlns:a14="http://schemas.microsoft.com/office/drawing/2010/main" xmlns="" w="9525">
                   <a:solidFill>
                     <a:srgbClr val="000000"/>
                   </a:solidFill>
@@ -1466,7 +1463,7 @@
             </a:ln>
             <a:extLst>
               <a:ext uri="{91240B29-F687-4f45-9708-019B960494DF}">
-                <a14:hiddenLine xmlns="" xmlns:a14="http://schemas.microsoft.com/office/drawing/2010/main" w="9525">
+                <a14:hiddenLine xmlns:a14="http://schemas.microsoft.com/office/drawing/2010/main" xmlns="" w="9525">
                   <a:solidFill>
                     <a:srgbClr val="000000"/>
                   </a:solidFill>
@@ -1576,7 +1573,7 @@
             </a:ln>
             <a:extLst>
               <a:ext uri="{91240B29-F687-4f45-9708-019B960494DF}">
-                <a14:hiddenLine xmlns="" xmlns:a14="http://schemas.microsoft.com/office/drawing/2010/main" w="9525">
+                <a14:hiddenLine xmlns:a14="http://schemas.microsoft.com/office/drawing/2010/main" xmlns="" w="9525">
                   <a:solidFill>
                     <a:srgbClr val="000000"/>
                   </a:solidFill>
@@ -1638,7 +1635,7 @@
             </a:ln>
             <a:extLst>
               <a:ext uri="{91240B29-F687-4f45-9708-019B960494DF}">
-                <a14:hiddenLine xmlns="" xmlns:a14="http://schemas.microsoft.com/office/drawing/2010/main" w="9525">
+                <a14:hiddenLine xmlns:a14="http://schemas.microsoft.com/office/drawing/2010/main" xmlns="" w="9525">
                   <a:solidFill>
                     <a:srgbClr val="000000"/>
                   </a:solidFill>
@@ -1728,7 +1725,7 @@
             </a:ln>
             <a:extLst>
               <a:ext uri="{91240B29-F687-4f45-9708-019B960494DF}">
-                <a14:hiddenLine xmlns="" xmlns:a14="http://schemas.microsoft.com/office/drawing/2010/main" w="9525">
+                <a14:hiddenLine xmlns:a14="http://schemas.microsoft.com/office/drawing/2010/main" xmlns="" w="9525">
                   <a:solidFill>
                     <a:srgbClr val="000000"/>
                   </a:solidFill>
@@ -1818,7 +1815,7 @@
             </a:ln>
             <a:extLst>
               <a:ext uri="{91240B29-F687-4f45-9708-019B960494DF}">
-                <a14:hiddenLine xmlns="" xmlns:a14="http://schemas.microsoft.com/office/drawing/2010/main" w="9525">
+                <a14:hiddenLine xmlns:a14="http://schemas.microsoft.com/office/drawing/2010/main" xmlns="" w="9525">
                   <a:solidFill>
                     <a:srgbClr val="000000"/>
                   </a:solidFill>
@@ -1880,7 +1877,7 @@
             </a:ln>
             <a:extLst>
               <a:ext uri="{91240B29-F687-4f45-9708-019B960494DF}">
-                <a14:hiddenLine xmlns="" xmlns:a14="http://schemas.microsoft.com/office/drawing/2010/main" w="9525">
+                <a14:hiddenLine xmlns:a14="http://schemas.microsoft.com/office/drawing/2010/main" xmlns="" w="9525">
                   <a:solidFill>
                     <a:srgbClr val="000000"/>
                   </a:solidFill>
@@ -1970,7 +1967,7 @@
             </a:ln>
             <a:extLst>
               <a:ext uri="{91240B29-F687-4f45-9708-019B960494DF}">
-                <a14:hiddenLine xmlns="" xmlns:a14="http://schemas.microsoft.com/office/drawing/2010/main" w="9525">
+                <a14:hiddenLine xmlns:a14="http://schemas.microsoft.com/office/drawing/2010/main" xmlns="" w="9525">
                   <a:solidFill>
                     <a:srgbClr val="000000"/>
                   </a:solidFill>
@@ -2060,7 +2057,7 @@
             </a:ln>
             <a:extLst>
               <a:ext uri="{91240B29-F687-4f45-9708-019B960494DF}">
-                <a14:hiddenLine xmlns="" xmlns:a14="http://schemas.microsoft.com/office/drawing/2010/main" w="9525">
+                <a14:hiddenLine xmlns:a14="http://schemas.microsoft.com/office/drawing/2010/main" xmlns="" w="9525">
                   <a:solidFill>
                     <a:srgbClr val="000000"/>
                   </a:solidFill>
@@ -2116,7 +2113,7 @@
             </a:ln>
             <a:extLst>
               <a:ext uri="{91240B29-F687-4f45-9708-019B960494DF}">
-                <a14:hiddenLine xmlns="" xmlns:a14="http://schemas.microsoft.com/office/drawing/2010/main" w="9525">
+                <a14:hiddenLine xmlns:a14="http://schemas.microsoft.com/office/drawing/2010/main" xmlns="" w="9525">
                   <a:solidFill>
                     <a:srgbClr val="000000"/>
                   </a:solidFill>
@@ -2206,7 +2203,7 @@
             </a:ln>
             <a:extLst>
               <a:ext uri="{91240B29-F687-4f45-9708-019B960494DF}">
-                <a14:hiddenLine xmlns="" xmlns:a14="http://schemas.microsoft.com/office/drawing/2010/main" w="9525">
+                <a14:hiddenLine xmlns:a14="http://schemas.microsoft.com/office/drawing/2010/main" xmlns="" w="9525">
                   <a:solidFill>
                     <a:srgbClr val="000000"/>
                   </a:solidFill>
@@ -2262,7 +2259,7 @@
             </a:ln>
             <a:extLst>
               <a:ext uri="{91240B29-F687-4f45-9708-019B960494DF}">
-                <a14:hiddenLine xmlns="" xmlns:a14="http://schemas.microsoft.com/office/drawing/2010/main" w="9525">
+                <a14:hiddenLine xmlns:a14="http://schemas.microsoft.com/office/drawing/2010/main" xmlns="" w="9525">
                   <a:solidFill>
                     <a:srgbClr val="000000"/>
                   </a:solidFill>
@@ -2352,7 +2349,7 @@
             </a:ln>
             <a:extLst>
               <a:ext uri="{91240B29-F687-4f45-9708-019B960494DF}">
-                <a14:hiddenLine xmlns="" xmlns:a14="http://schemas.microsoft.com/office/drawing/2010/main" w="9525">
+                <a14:hiddenLine xmlns:a14="http://schemas.microsoft.com/office/drawing/2010/main" xmlns="" w="9525">
                   <a:solidFill>
                     <a:srgbClr val="000000"/>
                   </a:solidFill>
@@ -2420,7 +2417,7 @@
             </a:ln>
             <a:extLst>
               <a:ext uri="{91240B29-F687-4f45-9708-019B960494DF}">
-                <a14:hiddenLine xmlns="" xmlns:a14="http://schemas.microsoft.com/office/drawing/2010/main" w="9525">
+                <a14:hiddenLine xmlns:a14="http://schemas.microsoft.com/office/drawing/2010/main" xmlns="" w="9525">
                   <a:solidFill>
                     <a:srgbClr val="000000"/>
                   </a:solidFill>
@@ -2510,7 +2507,7 @@
             </a:ln>
             <a:extLst>
               <a:ext uri="{91240B29-F687-4f45-9708-019B960494DF}">
-                <a14:hiddenLine xmlns="" xmlns:a14="http://schemas.microsoft.com/office/drawing/2010/main" w="9525">
+                <a14:hiddenLine xmlns:a14="http://schemas.microsoft.com/office/drawing/2010/main" xmlns="" w="9525">
                   <a:solidFill>
                     <a:srgbClr val="000000"/>
                   </a:solidFill>
@@ -2578,7 +2575,7 @@
             </a:ln>
             <a:extLst>
               <a:ext uri="{91240B29-F687-4f45-9708-019B960494DF}">
-                <a14:hiddenLine xmlns="" xmlns:a14="http://schemas.microsoft.com/office/drawing/2010/main" w="9525">
+                <a14:hiddenLine xmlns:a14="http://schemas.microsoft.com/office/drawing/2010/main" xmlns="" w="9525">
                   <a:solidFill>
                     <a:srgbClr val="000000"/>
                   </a:solidFill>
@@ -2668,7 +2665,7 @@
             </a:ln>
             <a:extLst>
               <a:ext uri="{91240B29-F687-4f45-9708-019B960494DF}">
-                <a14:hiddenLine xmlns="" xmlns:a14="http://schemas.microsoft.com/office/drawing/2010/main" w="9525">
+                <a14:hiddenLine xmlns:a14="http://schemas.microsoft.com/office/drawing/2010/main" xmlns="" w="9525">
                   <a:solidFill>
                     <a:srgbClr val="000000"/>
                   </a:solidFill>
@@ -2702,7 +2699,7 @@
             </a:ln>
             <a:extLst>
               <a:ext uri="{91240B29-F687-4f45-9708-019B960494DF}">
-                <a14:hiddenLine xmlns="" xmlns:a14="http://schemas.microsoft.com/office/drawing/2010/main" w="9525">
+                <a14:hiddenLine xmlns:a14="http://schemas.microsoft.com/office/drawing/2010/main" xmlns="" w="9525">
                   <a:solidFill>
                     <a:srgbClr val="000000"/>
                   </a:solidFill>
@@ -2792,7 +2789,7 @@
             </a:ln>
             <a:extLst>
               <a:ext uri="{91240B29-F687-4f45-9708-019B960494DF}">
-                <a14:hiddenLine xmlns="" xmlns:a14="http://schemas.microsoft.com/office/drawing/2010/main" w="9525">
+                <a14:hiddenLine xmlns:a14="http://schemas.microsoft.com/office/drawing/2010/main" xmlns="" w="9525">
                   <a:solidFill>
                     <a:srgbClr val="000000"/>
                   </a:solidFill>
@@ -2854,7 +2851,7 @@
             </a:ln>
             <a:extLst>
               <a:ext uri="{91240B29-F687-4f45-9708-019B960494DF}">
-                <a14:hiddenLine xmlns="" xmlns:a14="http://schemas.microsoft.com/office/drawing/2010/main" w="9525">
+                <a14:hiddenLine xmlns:a14="http://schemas.microsoft.com/office/drawing/2010/main" xmlns="" w="9525">
                   <a:solidFill>
                     <a:srgbClr val="000000"/>
                   </a:solidFill>
@@ -2916,7 +2913,7 @@
             </a:ln>
             <a:extLst>
               <a:ext uri="{91240B29-F687-4f45-9708-019B960494DF}">
-                <a14:hiddenLine xmlns="" xmlns:a14="http://schemas.microsoft.com/office/drawing/2010/main" w="9525">
+                <a14:hiddenLine xmlns:a14="http://schemas.microsoft.com/office/drawing/2010/main" xmlns="" w="9525">
                   <a:solidFill>
                     <a:srgbClr val="000000"/>
                   </a:solidFill>
@@ -3006,7 +3003,7 @@
             </a:ln>
             <a:extLst>
               <a:ext uri="{91240B29-F687-4f45-9708-019B960494DF}">
-                <a14:hiddenLine xmlns="" xmlns:a14="http://schemas.microsoft.com/office/drawing/2010/main" w="9525">
+                <a14:hiddenLine xmlns:a14="http://schemas.microsoft.com/office/drawing/2010/main" xmlns="" w="9525">
                   <a:solidFill>
                     <a:srgbClr val="000000"/>
                   </a:solidFill>
@@ -3074,7 +3071,7 @@
             </a:ln>
             <a:extLst>
               <a:ext uri="{91240B29-F687-4f45-9708-019B960494DF}">
-                <a14:hiddenLine xmlns="" xmlns:a14="http://schemas.microsoft.com/office/drawing/2010/main" w="9525">
+                <a14:hiddenLine xmlns:a14="http://schemas.microsoft.com/office/drawing/2010/main" xmlns="" w="9525">
                   <a:solidFill>
                     <a:srgbClr val="000000"/>
                   </a:solidFill>
@@ -3136,7 +3133,7 @@
             </a:ln>
             <a:extLst>
               <a:ext uri="{91240B29-F687-4f45-9708-019B960494DF}">
-                <a14:hiddenLine xmlns="" xmlns:a14="http://schemas.microsoft.com/office/drawing/2010/main" w="9525">
+                <a14:hiddenLine xmlns:a14="http://schemas.microsoft.com/office/drawing/2010/main" xmlns="" w="9525">
                   <a:solidFill>
                     <a:srgbClr val="000000"/>
                   </a:solidFill>
@@ -3226,7 +3223,7 @@
             </a:ln>
             <a:extLst>
               <a:ext uri="{91240B29-F687-4f45-9708-019B960494DF}">
-                <a14:hiddenLine xmlns="" xmlns:a14="http://schemas.microsoft.com/office/drawing/2010/main" w="9525">
+                <a14:hiddenLine xmlns:a14="http://schemas.microsoft.com/office/drawing/2010/main" xmlns="" w="9525">
                   <a:solidFill>
                     <a:srgbClr val="000000"/>
                   </a:solidFill>
@@ -3288,7 +3285,7 @@
             </a:ln>
             <a:extLst>
               <a:ext uri="{91240B29-F687-4f45-9708-019B960494DF}">
-                <a14:hiddenLine xmlns="" xmlns:a14="http://schemas.microsoft.com/office/drawing/2010/main" w="9525">
+                <a14:hiddenLine xmlns:a14="http://schemas.microsoft.com/office/drawing/2010/main" xmlns="" w="9525">
                   <a:solidFill>
                     <a:srgbClr val="000000"/>
                   </a:solidFill>
@@ -3378,7 +3375,7 @@
             </a:ln>
             <a:extLst>
               <a:ext uri="{91240B29-F687-4f45-9708-019B960494DF}">
-                <a14:hiddenLine xmlns="" xmlns:a14="http://schemas.microsoft.com/office/drawing/2010/main" w="9525">
+                <a14:hiddenLine xmlns:a14="http://schemas.microsoft.com/office/drawing/2010/main" xmlns="" w="9525">
                   <a:solidFill>
                     <a:srgbClr val="000000"/>
                   </a:solidFill>
@@ -3440,7 +3437,7 @@
             </a:ln>
             <a:extLst>
               <a:ext uri="{91240B29-F687-4f45-9708-019B960494DF}">
-                <a14:hiddenLine xmlns="" xmlns:a14="http://schemas.microsoft.com/office/drawing/2010/main" w="9525">
+                <a14:hiddenLine xmlns:a14="http://schemas.microsoft.com/office/drawing/2010/main" xmlns="" w="9525">
                   <a:solidFill>
                     <a:srgbClr val="000000"/>
                   </a:solidFill>
@@ -3530,7 +3527,7 @@
             </a:ln>
             <a:extLst>
               <a:ext uri="{91240B29-F687-4f45-9708-019B960494DF}">
-                <a14:hiddenLine xmlns="" xmlns:a14="http://schemas.microsoft.com/office/drawing/2010/main" w="9525">
+                <a14:hiddenLine xmlns:a14="http://schemas.microsoft.com/office/drawing/2010/main" xmlns="" w="9525">
                   <a:solidFill>
                     <a:srgbClr val="000000"/>
                   </a:solidFill>
@@ -3564,7 +3561,7 @@
             </a:ln>
             <a:extLst>
               <a:ext uri="{91240B29-F687-4f45-9708-019B960494DF}">
-                <a14:hiddenLine xmlns="" xmlns:a14="http://schemas.microsoft.com/office/drawing/2010/main" w="9525">
+                <a14:hiddenLine xmlns:a14="http://schemas.microsoft.com/office/drawing/2010/main" xmlns="" w="9525">
                   <a:solidFill>
                     <a:srgbClr val="000000"/>
                   </a:solidFill>
@@ -3629,7 +3626,7 @@
             </a:ln>
             <a:extLst>
               <a:ext uri="{91240B29-F687-4f45-9708-019B960494DF}">
-                <a14:hiddenLine xmlns="" xmlns:a14="http://schemas.microsoft.com/office/drawing/2010/main" w="9525">
+                <a14:hiddenLine xmlns:a14="http://schemas.microsoft.com/office/drawing/2010/main" xmlns="" w="9525">
                   <a:solidFill>
                     <a:srgbClr val="000000"/>
                   </a:solidFill>
@@ -3719,7 +3716,7 @@
             </a:ln>
             <a:extLst>
               <a:ext uri="{91240B29-F687-4f45-9708-019B960494DF}">
-                <a14:hiddenLine xmlns="" xmlns:a14="http://schemas.microsoft.com/office/drawing/2010/main" w="9525">
+                <a14:hiddenLine xmlns:a14="http://schemas.microsoft.com/office/drawing/2010/main" xmlns="" w="9525">
                   <a:solidFill>
                     <a:srgbClr val="000000"/>
                   </a:solidFill>
@@ -3781,7 +3778,7 @@
             </a:ln>
             <a:extLst>
               <a:ext uri="{91240B29-F687-4f45-9708-019B960494DF}">
-                <a14:hiddenLine xmlns="" xmlns:a14="http://schemas.microsoft.com/office/drawing/2010/main" w="9525">
+                <a14:hiddenLine xmlns:a14="http://schemas.microsoft.com/office/drawing/2010/main" xmlns="" w="9525">
                   <a:solidFill>
                     <a:srgbClr val="000000"/>
                   </a:solidFill>
@@ -3871,7 +3868,7 @@
             </a:ln>
             <a:extLst>
               <a:ext uri="{91240B29-F687-4f45-9708-019B960494DF}">
-                <a14:hiddenLine xmlns="" xmlns:a14="http://schemas.microsoft.com/office/drawing/2010/main" w="9525">
+                <a14:hiddenLine xmlns:a14="http://schemas.microsoft.com/office/drawing/2010/main" xmlns="" w="9525">
                   <a:solidFill>
                     <a:srgbClr val="000000"/>
                   </a:solidFill>
@@ -3961,7 +3958,7 @@
             </a:ln>
             <a:extLst>
               <a:ext uri="{91240B29-F687-4f45-9708-019B960494DF}">
-                <a14:hiddenLine xmlns="" xmlns:a14="http://schemas.microsoft.com/office/drawing/2010/main" w="9525">
+                <a14:hiddenLine xmlns:a14="http://schemas.microsoft.com/office/drawing/2010/main" xmlns="" w="9525">
                   <a:solidFill>
                     <a:srgbClr val="000000"/>
                   </a:solidFill>
@@ -4026,7 +4023,7 @@
             </a:ln>
             <a:extLst>
               <a:ext uri="{91240B29-F687-4f45-9708-019B960494DF}">
-                <a14:hiddenLine xmlns="" xmlns:a14="http://schemas.microsoft.com/office/drawing/2010/main" w="9525">
+                <a14:hiddenLine xmlns:a14="http://schemas.microsoft.com/office/drawing/2010/main" xmlns="" w="9525">
                   <a:solidFill>
                     <a:srgbClr val="000000"/>
                   </a:solidFill>
@@ -4088,7 +4085,7 @@
             </a:ln>
             <a:extLst>
               <a:ext uri="{91240B29-F687-4f45-9708-019B960494DF}">
-                <a14:hiddenLine xmlns="" xmlns:a14="http://schemas.microsoft.com/office/drawing/2010/main" w="9525">
+                <a14:hiddenLine xmlns:a14="http://schemas.microsoft.com/office/drawing/2010/main" xmlns="" w="9525">
                   <a:solidFill>
                     <a:srgbClr val="000000"/>
                   </a:solidFill>
@@ -4178,7 +4175,7 @@
             </a:ln>
             <a:extLst>
               <a:ext uri="{91240B29-F687-4f45-9708-019B960494DF}">
-                <a14:hiddenLine xmlns="" xmlns:a14="http://schemas.microsoft.com/office/drawing/2010/main" w="9525">
+                <a14:hiddenLine xmlns:a14="http://schemas.microsoft.com/office/drawing/2010/main" xmlns="" w="9525">
                   <a:solidFill>
                     <a:srgbClr val="000000"/>
                   </a:solidFill>
@@ -4268,7 +4265,7 @@
             </a:ln>
             <a:extLst>
               <a:ext uri="{91240B29-F687-4f45-9708-019B960494DF}">
-                <a14:hiddenLine xmlns="" xmlns:a14="http://schemas.microsoft.com/office/drawing/2010/main" w="9525">
+                <a14:hiddenLine xmlns:a14="http://schemas.microsoft.com/office/drawing/2010/main" xmlns="" w="9525">
                   <a:solidFill>
                     <a:srgbClr val="000000"/>
                   </a:solidFill>
@@ -4330,7 +4327,7 @@
             </a:ln>
             <a:extLst>
               <a:ext uri="{91240B29-F687-4f45-9708-019B960494DF}">
-                <a14:hiddenLine xmlns="" xmlns:a14="http://schemas.microsoft.com/office/drawing/2010/main" w="9525">
+                <a14:hiddenLine xmlns:a14="http://schemas.microsoft.com/office/drawing/2010/main" xmlns="" w="9525">
                   <a:solidFill>
                     <a:srgbClr val="000000"/>
                   </a:solidFill>
@@ -4450,7 +4447,7 @@
             </a:ln>
             <a:extLst>
               <a:ext uri="{91240B29-F687-4f45-9708-019B960494DF}">
-                <a14:hiddenLine xmlns="" xmlns:a14="http://schemas.microsoft.com/office/drawing/2010/main" w="9525">
+                <a14:hiddenLine xmlns:a14="http://schemas.microsoft.com/office/drawing/2010/main" xmlns="" w="9525">
                   <a:solidFill>
                     <a:srgbClr val="000000"/>
                   </a:solidFill>
@@ -4518,7 +4515,7 @@
             </a:ln>
             <a:extLst>
               <a:ext uri="{91240B29-F687-4f45-9708-019B960494DF}">
-                <a14:hiddenLine xmlns="" xmlns:a14="http://schemas.microsoft.com/office/drawing/2010/main" w="9525">
+                <a14:hiddenLine xmlns:a14="http://schemas.microsoft.com/office/drawing/2010/main" xmlns="" w="9525">
                   <a:solidFill>
                     <a:srgbClr val="000000"/>
                   </a:solidFill>
@@ -4608,7 +4605,7 @@
             </a:ln>
             <a:extLst>
               <a:ext uri="{91240B29-F687-4f45-9708-019B960494DF}">
-                <a14:hiddenLine xmlns="" xmlns:a14="http://schemas.microsoft.com/office/drawing/2010/main" w="9525">
+                <a14:hiddenLine xmlns:a14="http://schemas.microsoft.com/office/drawing/2010/main" xmlns="" w="9525">
                   <a:solidFill>
                     <a:srgbClr val="000000"/>
                   </a:solidFill>
@@ -4748,7 +4745,7 @@
           <a:p>
             <a:fld id="{4D4734BE-9FBB-4506-A87F-65060AF6A76B}" type="datetime1">
               <a:rPr lang="en-US" smtClean="0"/>
-              <a:t>3/3/2018</a:t>
+              <a:t>3/4/2018</a:t>
             </a:fld>
             <a:endParaRPr lang="en-US" dirty="0"/>
           </a:p>
@@ -5014,7 +5011,7 @@
           <a:p>
             <a:fld id="{B2593822-A210-417F-B97E-E02C828AA16F}" type="datetime1">
               <a:rPr lang="en-US" smtClean="0"/>
-              <a:t>3/3/2018</a:t>
+              <a:t>3/4/2018</a:t>
             </a:fld>
             <a:endParaRPr lang="en-US" dirty="0"/>
           </a:p>
@@ -5209,7 +5206,7 @@
           <a:p>
             <a:fld id="{1E4AE547-299B-41A4-8FD6-8CAB64F4F5DC}" type="datetime1">
               <a:rPr lang="en-US" smtClean="0"/>
-              <a:t>3/3/2018</a:t>
+              <a:t>3/4/2018</a:t>
             </a:fld>
             <a:endParaRPr lang="en-US" dirty="0"/>
           </a:p>
@@ -5471,7 +5468,7 @@
           <a:p>
             <a:fld id="{15CD4142-FAC2-4D84-A924-C8EB5BB1D044}" type="datetime1">
               <a:rPr lang="en-US" smtClean="0"/>
-              <a:t>3/3/2018</a:t>
+              <a:t>3/4/2018</a:t>
             </a:fld>
             <a:endParaRPr lang="en-US" dirty="0"/>
           </a:p>
@@ -5904,7 +5901,7 @@
           <a:p>
             <a:fld id="{D5164D38-3011-4611-85A3-5DAEA1209EF8}" type="datetime1">
               <a:rPr lang="en-US" smtClean="0"/>
-              <a:t>3/3/2018</a:t>
+              <a:t>3/4/2018</a:t>
             </a:fld>
             <a:endParaRPr lang="en-US" dirty="0"/>
           </a:p>
@@ -6449,7 +6446,7 @@
           <a:p>
             <a:fld id="{F64FA5B8-CAC8-4560-86C8-B344B9A18268}" type="datetime1">
               <a:rPr lang="en-US" smtClean="0"/>
-              <a:t>3/3/2018</a:t>
+              <a:t>3/4/2018</a:t>
             </a:fld>
             <a:endParaRPr lang="en-US" dirty="0"/>
           </a:p>
@@ -7168,7 +7165,7 @@
           <a:p>
             <a:fld id="{237781F6-28C0-494E-B726-D60E7740D976}" type="datetime1">
               <a:rPr lang="en-US" smtClean="0"/>
-              <a:t>3/3/2018</a:t>
+              <a:t>3/4/2018</a:t>
             </a:fld>
             <a:endParaRPr lang="en-US" dirty="0"/>
           </a:p>
@@ -7337,7 +7334,7 @@
           <a:p>
             <a:fld id="{9358B187-A258-4D8B-A5DC-79D41EC93B05}" type="datetime1">
               <a:rPr lang="en-US" smtClean="0"/>
-              <a:t>3/3/2018</a:t>
+              <a:t>3/4/2018</a:t>
             </a:fld>
             <a:endParaRPr lang="en-US" dirty="0"/>
           </a:p>
@@ -7516,7 +7513,7 @@
           <a:p>
             <a:fld id="{6782D587-BB10-46BD-912C-1BF0F60F3010}" type="datetime1">
               <a:rPr lang="en-US" smtClean="0"/>
-              <a:t>3/3/2018</a:t>
+              <a:t>3/4/2018</a:t>
             </a:fld>
             <a:endParaRPr lang="en-US" dirty="0"/>
           </a:p>
@@ -7685,7 +7682,7 @@
           <a:p>
             <a:fld id="{08801039-C855-4CA2-8C46-AE0210DED7F8}" type="datetime1">
               <a:rPr lang="en-US" smtClean="0"/>
-              <a:t>3/3/2018</a:t>
+              <a:t>3/4/2018</a:t>
             </a:fld>
             <a:endParaRPr lang="en-US" dirty="0"/>
           </a:p>
@@ -7934,7 +7931,7 @@
           <a:p>
             <a:fld id="{02D03E1E-0F75-45D9-B436-C5D0DF4EA3FA}" type="datetime1">
               <a:rPr lang="en-US" smtClean="0"/>
-              <a:t>3/3/2018</a:t>
+              <a:t>3/4/2018</a:t>
             </a:fld>
             <a:endParaRPr lang="en-US" dirty="0"/>
           </a:p>
@@ -8165,7 +8162,7 @@
           <a:p>
             <a:fld id="{38A8961B-8389-47E6-9E28-02F3F4F5A3FD}" type="datetime1">
               <a:rPr lang="en-US" smtClean="0"/>
-              <a:t>3/3/2018</a:t>
+              <a:t>3/4/2018</a:t>
             </a:fld>
             <a:endParaRPr lang="en-US" dirty="0"/>
           </a:p>
@@ -8545,7 +8542,7 @@
           <a:p>
             <a:fld id="{655B8C07-0E21-48BA-B386-B26BD426DF71}" type="datetime1">
               <a:rPr lang="en-US" smtClean="0"/>
-              <a:t>3/3/2018</a:t>
+              <a:t>3/4/2018</a:t>
             </a:fld>
             <a:endParaRPr lang="en-US" dirty="0"/>
           </a:p>
@@ -8662,7 +8659,7 @@
           <a:p>
             <a:fld id="{77DBFCBA-8BBB-4EFA-925A-89345D8382F4}" type="datetime1">
               <a:rPr lang="en-US" smtClean="0"/>
-              <a:t>3/3/2018</a:t>
+              <a:t>3/4/2018</a:t>
             </a:fld>
             <a:endParaRPr lang="en-US" dirty="0"/>
           </a:p>
@@ -8756,7 +8753,7 @@
           <a:p>
             <a:fld id="{50592E78-2A87-4E55-A769-7C8863DB57AC}" type="datetime1">
               <a:rPr lang="en-US" smtClean="0"/>
-              <a:t>3/3/2018</a:t>
+              <a:t>3/4/2018</a:t>
             </a:fld>
             <a:endParaRPr lang="en-US" dirty="0"/>
           </a:p>
@@ -9004,7 +9001,7 @@
           <a:p>
             <a:fld id="{ECE241CE-2655-4222-8A94-7BFD89F32540}" type="datetime1">
               <a:rPr lang="en-US" smtClean="0"/>
-              <a:t>3/3/2018</a:t>
+              <a:t>3/4/2018</a:t>
             </a:fld>
             <a:endParaRPr lang="en-US" dirty="0"/>
           </a:p>
@@ -9283,7 +9280,7 @@
           <a:p>
             <a:fld id="{0C9A11D6-9A2E-4DD5-B085-4A9FA7B43624}" type="datetime1">
               <a:rPr lang="en-US" smtClean="0"/>
-              <a:t>3/3/2018</a:t>
+              <a:t>3/4/2018</a:t>
             </a:fld>
             <a:endParaRPr lang="en-US" dirty="0"/>
           </a:p>
@@ -9398,7 +9395,7 @@
           <a:noFill/>
           <a:extLst>
             <a:ext uri="{909E8E84-426E-40dd-AFC4-6F175D3DCCD1}">
-              <a14:hiddenFill xmlns="" xmlns:a14="http://schemas.microsoft.com/office/drawing/2010/main">
+              <a14:hiddenFill xmlns:a14="http://schemas.microsoft.com/office/drawing/2010/main" xmlns="">
                 <a:solidFill>
                   <a:srgbClr val="FFFFFF"/>
                 </a:solidFill>
@@ -9472,7 +9469,7 @@
               </a:ln>
               <a:extLst>
                 <a:ext uri="{91240B29-F687-4f45-9708-019B960494DF}">
-                  <a14:hiddenLine xmlns="" xmlns:a14="http://schemas.microsoft.com/office/drawing/2010/main" w="9525">
+                  <a14:hiddenLine xmlns:a14="http://schemas.microsoft.com/office/drawing/2010/main" xmlns="" w="9525">
                     <a:solidFill>
                       <a:srgbClr val="000000"/>
                     </a:solidFill>
@@ -9562,7 +9559,7 @@
               </a:ln>
               <a:extLst>
                 <a:ext uri="{91240B29-F687-4f45-9708-019B960494DF}">
-                  <a14:hiddenLine xmlns="" xmlns:a14="http://schemas.microsoft.com/office/drawing/2010/main" w="9525">
+                  <a14:hiddenLine xmlns:a14="http://schemas.microsoft.com/office/drawing/2010/main" xmlns="" w="9525">
                     <a:solidFill>
                       <a:srgbClr val="000000"/>
                     </a:solidFill>
@@ -9652,7 +9649,7 @@
               </a:ln>
               <a:extLst>
                 <a:ext uri="{91240B29-F687-4f45-9708-019B960494DF}">
-                  <a14:hiddenLine xmlns="" xmlns:a14="http://schemas.microsoft.com/office/drawing/2010/main" w="9525">
+                  <a14:hiddenLine xmlns:a14="http://schemas.microsoft.com/office/drawing/2010/main" xmlns="" w="9525">
                     <a:solidFill>
                       <a:srgbClr val="000000"/>
                     </a:solidFill>
@@ -9714,7 +9711,7 @@
               </a:ln>
               <a:extLst>
                 <a:ext uri="{91240B29-F687-4f45-9708-019B960494DF}">
-                  <a14:hiddenLine xmlns="" xmlns:a14="http://schemas.microsoft.com/office/drawing/2010/main" w="9525">
+                  <a14:hiddenLine xmlns:a14="http://schemas.microsoft.com/office/drawing/2010/main" xmlns="" w="9525">
                     <a:solidFill>
                       <a:srgbClr val="000000"/>
                     </a:solidFill>
@@ -9804,7 +9801,7 @@
               </a:ln>
               <a:extLst>
                 <a:ext uri="{91240B29-F687-4f45-9708-019B960494DF}">
-                  <a14:hiddenLine xmlns="" xmlns:a14="http://schemas.microsoft.com/office/drawing/2010/main" w="9525">
+                  <a14:hiddenLine xmlns:a14="http://schemas.microsoft.com/office/drawing/2010/main" xmlns="" w="9525">
                     <a:solidFill>
                       <a:srgbClr val="000000"/>
                     </a:solidFill>
@@ -9866,7 +9863,7 @@
               </a:ln>
               <a:extLst>
                 <a:ext uri="{91240B29-F687-4f45-9708-019B960494DF}">
-                  <a14:hiddenLine xmlns="" xmlns:a14="http://schemas.microsoft.com/office/drawing/2010/main" w="9525">
+                  <a14:hiddenLine xmlns:a14="http://schemas.microsoft.com/office/drawing/2010/main" xmlns="" w="9525">
                     <a:solidFill>
                       <a:srgbClr val="000000"/>
                     </a:solidFill>
@@ -9928,7 +9925,7 @@
               </a:ln>
               <a:extLst>
                 <a:ext uri="{91240B29-F687-4f45-9708-019B960494DF}">
-                  <a14:hiddenLine xmlns="" xmlns:a14="http://schemas.microsoft.com/office/drawing/2010/main" w="9525">
+                  <a14:hiddenLine xmlns:a14="http://schemas.microsoft.com/office/drawing/2010/main" xmlns="" w="9525">
                     <a:solidFill>
                       <a:srgbClr val="000000"/>
                     </a:solidFill>
@@ -10018,7 +10015,7 @@
               </a:ln>
               <a:extLst>
                 <a:ext uri="{91240B29-F687-4f45-9708-019B960494DF}">
-                  <a14:hiddenLine xmlns="" xmlns:a14="http://schemas.microsoft.com/office/drawing/2010/main" w="9525">
+                  <a14:hiddenLine xmlns:a14="http://schemas.microsoft.com/office/drawing/2010/main" xmlns="" w="9525">
                     <a:solidFill>
                       <a:srgbClr val="000000"/>
                     </a:solidFill>
@@ -10108,7 +10105,7 @@
               </a:ln>
               <a:extLst>
                 <a:ext uri="{91240B29-F687-4f45-9708-019B960494DF}">
-                  <a14:hiddenLine xmlns="" xmlns:a14="http://schemas.microsoft.com/office/drawing/2010/main" w="9525">
+                  <a14:hiddenLine xmlns:a14="http://schemas.microsoft.com/office/drawing/2010/main" xmlns="" w="9525">
                     <a:solidFill>
                       <a:srgbClr val="000000"/>
                     </a:solidFill>
@@ -10170,7 +10167,7 @@
               </a:ln>
               <a:extLst>
                 <a:ext uri="{91240B29-F687-4f45-9708-019B960494DF}">
-                  <a14:hiddenLine xmlns="" xmlns:a14="http://schemas.microsoft.com/office/drawing/2010/main" w="9525">
+                  <a14:hiddenLine xmlns:a14="http://schemas.microsoft.com/office/drawing/2010/main" xmlns="" w="9525">
                     <a:solidFill>
                       <a:srgbClr val="000000"/>
                     </a:solidFill>
@@ -10280,7 +10277,7 @@
               </a:ln>
               <a:extLst>
                 <a:ext uri="{91240B29-F687-4f45-9708-019B960494DF}">
-                  <a14:hiddenLine xmlns="" xmlns:a14="http://schemas.microsoft.com/office/drawing/2010/main" w="9525">
+                  <a14:hiddenLine xmlns:a14="http://schemas.microsoft.com/office/drawing/2010/main" xmlns="" w="9525">
                     <a:solidFill>
                       <a:srgbClr val="000000"/>
                     </a:solidFill>
@@ -10364,7 +10361,7 @@
               </a:ln>
               <a:extLst>
                 <a:ext uri="{91240B29-F687-4f45-9708-019B960494DF}">
-                  <a14:hiddenLine xmlns="" xmlns:a14="http://schemas.microsoft.com/office/drawing/2010/main" w="9525">
+                  <a14:hiddenLine xmlns:a14="http://schemas.microsoft.com/office/drawing/2010/main" xmlns="" w="9525">
                     <a:solidFill>
                       <a:srgbClr val="000000"/>
                     </a:solidFill>
@@ -10426,7 +10423,7 @@
               </a:ln>
               <a:extLst>
                 <a:ext uri="{91240B29-F687-4f45-9708-019B960494DF}">
-                  <a14:hiddenLine xmlns="" xmlns:a14="http://schemas.microsoft.com/office/drawing/2010/main" w="9525">
+                  <a14:hiddenLine xmlns:a14="http://schemas.microsoft.com/office/drawing/2010/main" xmlns="" w="9525">
                     <a:solidFill>
                       <a:srgbClr val="000000"/>
                     </a:solidFill>
@@ -10488,7 +10485,7 @@
               </a:ln>
               <a:extLst>
                 <a:ext uri="{91240B29-F687-4f45-9708-019B960494DF}">
-                  <a14:hiddenLine xmlns="" xmlns:a14="http://schemas.microsoft.com/office/drawing/2010/main" w="9525">
+                  <a14:hiddenLine xmlns:a14="http://schemas.microsoft.com/office/drawing/2010/main" xmlns="" w="9525">
                     <a:solidFill>
                       <a:srgbClr val="000000"/>
                     </a:solidFill>
@@ -10578,7 +10575,7 @@
               </a:ln>
               <a:extLst>
                 <a:ext uri="{91240B29-F687-4f45-9708-019B960494DF}">
-                  <a14:hiddenLine xmlns="" xmlns:a14="http://schemas.microsoft.com/office/drawing/2010/main" w="9525">
+                  <a14:hiddenLine xmlns:a14="http://schemas.microsoft.com/office/drawing/2010/main" xmlns="" w="9525">
                     <a:solidFill>
                       <a:srgbClr val="000000"/>
                     </a:solidFill>
@@ -10612,7 +10609,7 @@
               </a:ln>
               <a:extLst>
                 <a:ext uri="{91240B29-F687-4f45-9708-019B960494DF}">
-                  <a14:hiddenLine xmlns="" xmlns:a14="http://schemas.microsoft.com/office/drawing/2010/main" w="9525">
+                  <a14:hiddenLine xmlns:a14="http://schemas.microsoft.com/office/drawing/2010/main" xmlns="" w="9525">
                     <a:solidFill>
                       <a:srgbClr val="000000"/>
                     </a:solidFill>
@@ -10677,7 +10674,7 @@
               </a:ln>
               <a:extLst>
                 <a:ext uri="{91240B29-F687-4f45-9708-019B960494DF}">
-                  <a14:hiddenLine xmlns="" xmlns:a14="http://schemas.microsoft.com/office/drawing/2010/main" w="9525">
+                  <a14:hiddenLine xmlns:a14="http://schemas.microsoft.com/office/drawing/2010/main" xmlns="" w="9525">
                     <a:solidFill>
                       <a:srgbClr val="000000"/>
                     </a:solidFill>
@@ -10767,7 +10764,7 @@
               </a:ln>
               <a:extLst>
                 <a:ext uri="{91240B29-F687-4f45-9708-019B960494DF}">
-                  <a14:hiddenLine xmlns="" xmlns:a14="http://schemas.microsoft.com/office/drawing/2010/main" w="9525">
+                  <a14:hiddenLine xmlns:a14="http://schemas.microsoft.com/office/drawing/2010/main" xmlns="" w="9525">
                     <a:solidFill>
                       <a:srgbClr val="000000"/>
                     </a:solidFill>
@@ -10829,7 +10826,7 @@
               </a:ln>
               <a:extLst>
                 <a:ext uri="{91240B29-F687-4f45-9708-019B960494DF}">
-                  <a14:hiddenLine xmlns="" xmlns:a14="http://schemas.microsoft.com/office/drawing/2010/main" w="9525">
+                  <a14:hiddenLine xmlns:a14="http://schemas.microsoft.com/office/drawing/2010/main" xmlns="" w="9525">
                     <a:solidFill>
                       <a:srgbClr val="000000"/>
                     </a:solidFill>
@@ -10919,7 +10916,7 @@
               </a:ln>
               <a:extLst>
                 <a:ext uri="{91240B29-F687-4f45-9708-019B960494DF}">
-                  <a14:hiddenLine xmlns="" xmlns:a14="http://schemas.microsoft.com/office/drawing/2010/main" w="9525">
+                  <a14:hiddenLine xmlns:a14="http://schemas.microsoft.com/office/drawing/2010/main" xmlns="" w="9525">
                     <a:solidFill>
                       <a:srgbClr val="000000"/>
                     </a:solidFill>
@@ -10984,7 +10981,7 @@
               </a:ln>
               <a:extLst>
                 <a:ext uri="{91240B29-F687-4f45-9708-019B960494DF}">
-                  <a14:hiddenLine xmlns="" xmlns:a14="http://schemas.microsoft.com/office/drawing/2010/main" w="9525">
+                  <a14:hiddenLine xmlns:a14="http://schemas.microsoft.com/office/drawing/2010/main" xmlns="" w="9525">
                     <a:solidFill>
                       <a:srgbClr val="000000"/>
                     </a:solidFill>
@@ -11046,7 +11043,7 @@
               </a:ln>
               <a:extLst>
                 <a:ext uri="{91240B29-F687-4f45-9708-019B960494DF}">
-                  <a14:hiddenLine xmlns="" xmlns:a14="http://schemas.microsoft.com/office/drawing/2010/main" w="9525">
+                  <a14:hiddenLine xmlns:a14="http://schemas.microsoft.com/office/drawing/2010/main" xmlns="" w="9525">
                     <a:solidFill>
                       <a:srgbClr val="000000"/>
                     </a:solidFill>
@@ -11136,7 +11133,7 @@
               </a:ln>
               <a:extLst>
                 <a:ext uri="{91240B29-F687-4f45-9708-019B960494DF}">
-                  <a14:hiddenLine xmlns="" xmlns:a14="http://schemas.microsoft.com/office/drawing/2010/main" w="9525">
+                  <a14:hiddenLine xmlns:a14="http://schemas.microsoft.com/office/drawing/2010/main" xmlns="" w="9525">
                     <a:solidFill>
                       <a:srgbClr val="000000"/>
                     </a:solidFill>
@@ -11226,7 +11223,7 @@
               </a:ln>
               <a:extLst>
                 <a:ext uri="{91240B29-F687-4f45-9708-019B960494DF}">
-                  <a14:hiddenLine xmlns="" xmlns:a14="http://schemas.microsoft.com/office/drawing/2010/main" w="9525">
+                  <a14:hiddenLine xmlns:a14="http://schemas.microsoft.com/office/drawing/2010/main" xmlns="" w="9525">
                     <a:solidFill>
                       <a:srgbClr val="000000"/>
                     </a:solidFill>
@@ -11291,7 +11288,7 @@
               </a:ln>
               <a:extLst>
                 <a:ext uri="{91240B29-F687-4f45-9708-019B960494DF}">
-                  <a14:hiddenLine xmlns="" xmlns:a14="http://schemas.microsoft.com/office/drawing/2010/main" w="9525">
+                  <a14:hiddenLine xmlns:a14="http://schemas.microsoft.com/office/drawing/2010/main" xmlns="" w="9525">
                     <a:solidFill>
                       <a:srgbClr val="000000"/>
                     </a:solidFill>
@@ -11411,7 +11408,7 @@
               </a:ln>
               <a:extLst>
                 <a:ext uri="{91240B29-F687-4f45-9708-019B960494DF}">
-                  <a14:hiddenLine xmlns="" xmlns:a14="http://schemas.microsoft.com/office/drawing/2010/main" w="9525">
+                  <a14:hiddenLine xmlns:a14="http://schemas.microsoft.com/office/drawing/2010/main" xmlns="" w="9525">
                     <a:solidFill>
                       <a:srgbClr val="000000"/>
                     </a:solidFill>
@@ -11509,7 +11506,7 @@
               </a:ln>
               <a:extLst>
                 <a:ext uri="{91240B29-F687-4f45-9708-019B960494DF}">
-                  <a14:hiddenLine xmlns="" xmlns:a14="http://schemas.microsoft.com/office/drawing/2010/main" w="9525">
+                  <a14:hiddenLine xmlns:a14="http://schemas.microsoft.com/office/drawing/2010/main" xmlns="" w="9525">
                     <a:solidFill>
                       <a:srgbClr val="000000"/>
                     </a:solidFill>
@@ -11624,7 +11621,7 @@
               </a:ln>
               <a:extLst>
                 <a:ext uri="{91240B29-F687-4f45-9708-019B960494DF}">
-                  <a14:hiddenLine xmlns="" xmlns:a14="http://schemas.microsoft.com/office/drawing/2010/main" w="9525">
+                  <a14:hiddenLine xmlns:a14="http://schemas.microsoft.com/office/drawing/2010/main" xmlns="" w="9525">
                     <a:solidFill>
                       <a:srgbClr val="000000"/>
                     </a:solidFill>
@@ -11714,7 +11711,7 @@
               </a:ln>
               <a:extLst>
                 <a:ext uri="{91240B29-F687-4f45-9708-019B960494DF}">
-                  <a14:hiddenLine xmlns="" xmlns:a14="http://schemas.microsoft.com/office/drawing/2010/main" w="9525">
+                  <a14:hiddenLine xmlns:a14="http://schemas.microsoft.com/office/drawing/2010/main" xmlns="" w="9525">
                     <a:solidFill>
                       <a:srgbClr val="000000"/>
                     </a:solidFill>
@@ -11779,7 +11776,7 @@
               </a:ln>
               <a:extLst>
                 <a:ext uri="{91240B29-F687-4f45-9708-019B960494DF}">
-                  <a14:hiddenLine xmlns="" xmlns:a14="http://schemas.microsoft.com/office/drawing/2010/main" w="9525">
+                  <a14:hiddenLine xmlns:a14="http://schemas.microsoft.com/office/drawing/2010/main" xmlns="" w="9525">
                     <a:solidFill>
                       <a:srgbClr val="000000"/>
                     </a:solidFill>
@@ -11869,7 +11866,7 @@
               </a:ln>
               <a:extLst>
                 <a:ext uri="{91240B29-F687-4f45-9708-019B960494DF}">
-                  <a14:hiddenLine xmlns="" xmlns:a14="http://schemas.microsoft.com/office/drawing/2010/main" w="9525">
+                  <a14:hiddenLine xmlns:a14="http://schemas.microsoft.com/office/drawing/2010/main" xmlns="" w="9525">
                     <a:solidFill>
                       <a:srgbClr val="000000"/>
                     </a:solidFill>
@@ -11937,7 +11934,7 @@
               </a:ln>
               <a:extLst>
                 <a:ext uri="{91240B29-F687-4f45-9708-019B960494DF}">
-                  <a14:hiddenLine xmlns="" xmlns:a14="http://schemas.microsoft.com/office/drawing/2010/main" w="9525">
+                  <a14:hiddenLine xmlns:a14="http://schemas.microsoft.com/office/drawing/2010/main" xmlns="" w="9525">
                     <a:solidFill>
                       <a:srgbClr val="000000"/>
                     </a:solidFill>
@@ -12027,7 +12024,7 @@
               </a:ln>
               <a:extLst>
                 <a:ext uri="{91240B29-F687-4f45-9708-019B960494DF}">
-                  <a14:hiddenLine xmlns="" xmlns:a14="http://schemas.microsoft.com/office/drawing/2010/main" w="9525">
+                  <a14:hiddenLine xmlns:a14="http://schemas.microsoft.com/office/drawing/2010/main" xmlns="" w="9525">
                     <a:solidFill>
                       <a:srgbClr val="000000"/>
                     </a:solidFill>
@@ -12095,7 +12092,7 @@
               </a:ln>
               <a:extLst>
                 <a:ext uri="{91240B29-F687-4f45-9708-019B960494DF}">
-                  <a14:hiddenLine xmlns="" xmlns:a14="http://schemas.microsoft.com/office/drawing/2010/main" w="9525">
+                  <a14:hiddenLine xmlns:a14="http://schemas.microsoft.com/office/drawing/2010/main" xmlns="" w="9525">
                     <a:solidFill>
                       <a:srgbClr val="000000"/>
                     </a:solidFill>
@@ -12185,7 +12182,7 @@
               </a:ln>
               <a:extLst>
                 <a:ext uri="{91240B29-F687-4f45-9708-019B960494DF}">
-                  <a14:hiddenLine xmlns="" xmlns:a14="http://schemas.microsoft.com/office/drawing/2010/main" w="9525">
+                  <a14:hiddenLine xmlns:a14="http://schemas.microsoft.com/office/drawing/2010/main" xmlns="" w="9525">
                     <a:solidFill>
                       <a:srgbClr val="000000"/>
                     </a:solidFill>
@@ -12219,7 +12216,7 @@
               </a:ln>
               <a:extLst>
                 <a:ext uri="{91240B29-F687-4f45-9708-019B960494DF}">
-                  <a14:hiddenLine xmlns="" xmlns:a14="http://schemas.microsoft.com/office/drawing/2010/main" w="9525">
+                  <a14:hiddenLine xmlns:a14="http://schemas.microsoft.com/office/drawing/2010/main" xmlns="" w="9525">
                     <a:solidFill>
                       <a:srgbClr val="000000"/>
                     </a:solidFill>
@@ -12359,7 +12356,7 @@
           <a:p>
             <a:fld id="{04C84041-397A-4ABF-8C52-85B810290B3A}" type="datetime1">
               <a:rPr lang="en-US" smtClean="0"/>
-              <a:t>3/3/2018</a:t>
+              <a:t>3/4/2018</a:t>
             </a:fld>
             <a:endParaRPr lang="en-US" dirty="0"/>
           </a:p>
@@ -12901,7 +12898,7 @@
           <a:p>
             <a:r>
               <a:rPr lang="en-US" dirty="0"/>
-              <a:t>demo goals</a:t>
+              <a:t>Demo assumptions</a:t>
             </a:r>
           </a:p>
         </p:txBody>
@@ -12922,83 +12919,32 @@
             <p:ph idx="1"/>
           </p:nvPr>
         </p:nvSpPr>
-        <p:spPr>
-          <a:xfrm>
-            <a:off x="1141412" y="2249487"/>
-            <a:ext cx="9905999" cy="3621226"/>
-          </a:xfrm>
-        </p:spPr>
+        <p:spPr/>
         <p:txBody>
-          <a:bodyPr>
-            <a:normAutofit fontScale="85000" lnSpcReduction="20000"/>
-          </a:bodyPr>
+          <a:bodyPr/>
           <a:lstStyle/>
           <a:p>
             <a:r>
               <a:rPr lang="en-US" dirty="0"/>
-              <a:t>Setup Docker Swarm with Router Mesh</a:t>
+              <a:t>General knowledge of Docker container architecture</a:t>
             </a:r>
           </a:p>
           <a:p>
-            <a:pPr lvl="1"/>
             <a:r>
               <a:rPr lang="en-US" dirty="0"/>
-              <a:t>Set up two Windows Server 2016 Version 1709 VM</a:t>
+              <a:t>General knowledge of Docker swarm architecture</a:t>
             </a:r>
           </a:p>
           <a:p>
-            <a:pPr lvl="1"/>
             <a:r>
               <a:rPr lang="en-US" dirty="0"/>
-              <a:t>Configure Servers and install Docker</a:t>
+              <a:t>General knowledge of Visual Studio</a:t>
             </a:r>
           </a:p>
           <a:p>
-            <a:pPr lvl="1"/>
             <a:r>
               <a:rPr lang="en-US" dirty="0"/>
-              <a:t>Create Docker Swarm Cluster</a:t>
-            </a:r>
-          </a:p>
-          <a:p>
-            <a:pPr lvl="1"/>
-            <a:r>
-              <a:rPr lang="en-US" dirty="0"/>
-              <a:t>Join node to Swarm</a:t>
-            </a:r>
-          </a:p>
-          <a:p>
-            <a:pPr lvl="1"/>
-            <a:r>
-              <a:rPr lang="en-US" dirty="0"/>
-              <a:t>Create swarm service</a:t>
-            </a:r>
-          </a:p>
-          <a:p>
-            <a:pPr lvl="1"/>
-            <a:r>
-              <a:rPr lang="en-US" dirty="0"/>
-              <a:t>Scale service</a:t>
-            </a:r>
-          </a:p>
-          <a:p>
-            <a:pPr lvl="1"/>
-            <a:r>
-              <a:rPr lang="en-US" dirty="0"/>
-              <a:t>Demonstrate rolling updates and rollbacks</a:t>
-            </a:r>
-          </a:p>
-          <a:p>
-            <a:pPr lvl="1"/>
-            <a:r>
-              <a:rPr lang="en-US" dirty="0"/>
-              <a:t>Demonstrate node failure</a:t>
-            </a:r>
-          </a:p>
-          <a:p>
-            <a:r>
-              <a:rPr lang="en-US" dirty="0"/>
-              <a:t>All steps shown.  Nothing skipped.</a:t>
+              <a:t>General knowledge of Hyper V</a:t>
             </a:r>
           </a:p>
           <a:p>
@@ -13012,7 +12958,7 @@
     </p:spTree>
     <p:extLst>
       <p:ext uri="{BB962C8B-B14F-4D97-AF65-F5344CB8AC3E}">
-        <p14:creationId xmlns:p14="http://schemas.microsoft.com/office/powerpoint/2010/main" val="2238918654"/>
+        <p14:creationId xmlns:p14="http://schemas.microsoft.com/office/powerpoint/2010/main" val="1682489076"/>
       </p:ext>
     </p:extLst>
   </p:cSld>
@@ -13023,6 +12969,93 @@
 </file>
 
 <file path=ppt/slides/slide3.xml><?xml version="1.0" encoding="utf-8"?>
+<p:sld xmlns:a="http://schemas.openxmlformats.org/drawingml/2006/main" xmlns:r="http://schemas.openxmlformats.org/officeDocument/2006/relationships" xmlns:p="http://schemas.openxmlformats.org/presentationml/2006/main">
+  <p:cSld>
+    <p:spTree>
+      <p:nvGrpSpPr>
+        <p:cNvPr id="1" name=""/>
+        <p:cNvGrpSpPr/>
+        <p:nvPr/>
+      </p:nvGrpSpPr>
+      <p:grpSpPr>
+        <a:xfrm>
+          <a:off x="0" y="0"/>
+          <a:ext cx="0" cy="0"/>
+          <a:chOff x="0" y="0"/>
+          <a:chExt cx="0" cy="0"/>
+        </a:xfrm>
+      </p:grpSpPr>
+      <p:sp>
+        <p:nvSpPr>
+          <p:cNvPr id="2" name="Title 1">
+            <a:extLst>
+              <a:ext uri="{FF2B5EF4-FFF2-40B4-BE49-F238E27FC236}">
+                <a16:creationId xmlns:a16="http://schemas.microsoft.com/office/drawing/2014/main" id="{2C6A01E1-B5EF-48AA-9ECC-D9354F61C2B4}"/>
+              </a:ext>
+            </a:extLst>
+          </p:cNvPr>
+          <p:cNvSpPr>
+            <a:spLocks noGrp="1"/>
+          </p:cNvSpPr>
+          <p:nvPr>
+            <p:ph type="title"/>
+          </p:nvPr>
+        </p:nvSpPr>
+        <p:spPr/>
+        <p:txBody>
+          <a:bodyPr/>
+          <a:lstStyle/>
+          <a:p>
+            <a:r>
+              <a:rPr lang="en-US" dirty="0"/>
+              <a:t>Swarm architecture</a:t>
+            </a:r>
+          </a:p>
+        </p:txBody>
+      </p:sp>
+      <p:pic>
+        <p:nvPicPr>
+          <p:cNvPr id="6" name="Content Placeholder 5">
+            <a:extLst>
+              <a:ext uri="{FF2B5EF4-FFF2-40B4-BE49-F238E27FC236}">
+                <a16:creationId xmlns:a16="http://schemas.microsoft.com/office/drawing/2014/main" id="{36FF05E0-D5F3-43D5-ACA3-7CED7C4BEF25}"/>
+              </a:ext>
+            </a:extLst>
+          </p:cNvPr>
+          <p:cNvPicPr>
+            <a:picLocks noGrp="1" noChangeAspect="1"/>
+          </p:cNvPicPr>
+          <p:nvPr>
+            <p:ph idx="1"/>
+          </p:nvPr>
+        </p:nvPicPr>
+        <p:blipFill>
+          <a:blip r:embed="rId2"/>
+          <a:stretch>
+            <a:fillRect/>
+          </a:stretch>
+        </p:blipFill>
+        <p:spPr>
+          <a:xfrm>
+            <a:off x="1141413" y="1871002"/>
+            <a:ext cx="10337824" cy="4839287"/>
+          </a:xfrm>
+        </p:spPr>
+      </p:pic>
+    </p:spTree>
+    <p:extLst>
+      <p:ext uri="{BB962C8B-B14F-4D97-AF65-F5344CB8AC3E}">
+        <p14:creationId xmlns:p14="http://schemas.microsoft.com/office/powerpoint/2010/main" val="1482427766"/>
+      </p:ext>
+    </p:extLst>
+  </p:cSld>
+  <p:clrMapOvr>
+    <a:masterClrMapping/>
+  </p:clrMapOvr>
+</p:sld>
+</file>
+
+<file path=ppt/slides/slide4.xml><?xml version="1.0" encoding="utf-8"?>
 <p:sld xmlns:a="http://schemas.openxmlformats.org/drawingml/2006/main" xmlns:r="http://schemas.openxmlformats.org/officeDocument/2006/relationships" xmlns:p="http://schemas.openxmlformats.org/presentationml/2006/main">
   <p:cSld>
     <p:spTree>
@@ -13062,7 +13095,7 @@
           <a:p>
             <a:r>
               <a:rPr lang="en-US" dirty="0"/>
-              <a:t>Demo assumptions</a:t>
+              <a:t>demo goals</a:t>
             </a:r>
           </a:p>
         </p:txBody>
@@ -13083,32 +13116,83 @@
             <p:ph idx="1"/>
           </p:nvPr>
         </p:nvSpPr>
-        <p:spPr/>
+        <p:spPr>
+          <a:xfrm>
+            <a:off x="1141412" y="2249487"/>
+            <a:ext cx="9905999" cy="3621226"/>
+          </a:xfrm>
+        </p:spPr>
         <p:txBody>
-          <a:bodyPr/>
+          <a:bodyPr>
+            <a:normAutofit fontScale="85000" lnSpcReduction="20000"/>
+          </a:bodyPr>
           <a:lstStyle/>
           <a:p>
             <a:r>
               <a:rPr lang="en-US" dirty="0"/>
-              <a:t>General knowledge of Docker container architecture</a:t>
+              <a:t>Setup Docker Swarm with Router Mesh</a:t>
             </a:r>
           </a:p>
           <a:p>
+            <a:pPr lvl="1"/>
             <a:r>
               <a:rPr lang="en-US" dirty="0"/>
-              <a:t>General knowledge of Docker swarm architecture</a:t>
+              <a:t>Set up two Windows Server 2016 Version 1709 VM</a:t>
             </a:r>
           </a:p>
           <a:p>
+            <a:pPr lvl="1"/>
             <a:r>
               <a:rPr lang="en-US" dirty="0"/>
-              <a:t>General knowledge of Visual Studio</a:t>
+              <a:t>Configure Servers and install Docker</a:t>
             </a:r>
           </a:p>
           <a:p>
+            <a:pPr lvl="1"/>
             <a:r>
               <a:rPr lang="en-US" dirty="0"/>
-              <a:t>General knowledge of Hyper V</a:t>
+              <a:t>Create Docker Swarm Cluster</a:t>
+            </a:r>
+          </a:p>
+          <a:p>
+            <a:pPr lvl="1"/>
+            <a:r>
+              <a:rPr lang="en-US" dirty="0"/>
+              <a:t>Join node to Swarm</a:t>
+            </a:r>
+          </a:p>
+          <a:p>
+            <a:pPr lvl="1"/>
+            <a:r>
+              <a:rPr lang="en-US" dirty="0"/>
+              <a:t>Create swarm service</a:t>
+            </a:r>
+          </a:p>
+          <a:p>
+            <a:pPr lvl="1"/>
+            <a:r>
+              <a:rPr lang="en-US" dirty="0"/>
+              <a:t>Scale service</a:t>
+            </a:r>
+          </a:p>
+          <a:p>
+            <a:pPr lvl="1"/>
+            <a:r>
+              <a:rPr lang="en-US" dirty="0"/>
+              <a:t>Demonstrate rolling updates and rollbacks</a:t>
+            </a:r>
+          </a:p>
+          <a:p>
+            <a:pPr lvl="1"/>
+            <a:r>
+              <a:rPr lang="en-US" dirty="0"/>
+              <a:t>Demonstrate node failure</a:t>
+            </a:r>
+          </a:p>
+          <a:p>
+            <a:r>
+              <a:rPr lang="en-US" dirty="0"/>
+              <a:t>All steps shown.  Nothing skipped.</a:t>
             </a:r>
           </a:p>
           <a:p>
@@ -13122,7 +13206,7 @@
     </p:spTree>
     <p:extLst>
       <p:ext uri="{BB962C8B-B14F-4D97-AF65-F5344CB8AC3E}">
-        <p14:creationId xmlns:p14="http://schemas.microsoft.com/office/powerpoint/2010/main" val="1682489076"/>
+        <p14:creationId xmlns:p14="http://schemas.microsoft.com/office/powerpoint/2010/main" val="2238918654"/>
       </p:ext>
     </p:extLst>
   </p:cSld>
@@ -13132,7 +13216,7 @@
 </p:sld>
 </file>
 
-<file path=ppt/slides/slide4.xml><?xml version="1.0" encoding="utf-8"?>
+<file path=ppt/slides/slide5.xml><?xml version="1.0" encoding="utf-8"?>
 <p:sld xmlns:a="http://schemas.openxmlformats.org/drawingml/2006/main" xmlns:r="http://schemas.openxmlformats.org/officeDocument/2006/relationships" xmlns:p="http://schemas.openxmlformats.org/presentationml/2006/main">
   <p:cSld>
     <p:spTree>
@@ -13196,7 +13280,7 @@
 </p:sld>
 </file>
 
-<file path=ppt/slides/slide5.xml><?xml version="1.0" encoding="utf-8"?>
+<file path=ppt/slides/slide6.xml><?xml version="1.0" encoding="utf-8"?>
 <p:sld xmlns:a="http://schemas.openxmlformats.org/drawingml/2006/main" xmlns:r="http://schemas.openxmlformats.org/officeDocument/2006/relationships" xmlns:p="http://schemas.openxmlformats.org/presentationml/2006/main">
   <p:cSld>
     <p:spTree>

--- a/docker swarm setup.pptx
+++ b/docker swarm setup.pptx
@@ -519,7 +519,7 @@
           <a:noFill/>
           <a:extLst>
             <a:ext uri="{909E8E84-426E-40dd-AFC4-6F175D3DCCD1}">
-              <a14:hiddenFill xmlns:a14="http://schemas.microsoft.com/office/drawing/2010/main" xmlns="">
+              <a14:hiddenFill xmlns="" xmlns:a14="http://schemas.microsoft.com/office/drawing/2010/main">
                 <a:solidFill>
                   <a:srgbClr val="FFFFFF"/>
                 </a:solidFill>
@@ -579,7 +579,7 @@
             </a:ln>
             <a:extLst>
               <a:ext uri="{91240B29-F687-4f45-9708-019B960494DF}">
-                <a14:hiddenLine xmlns:a14="http://schemas.microsoft.com/office/drawing/2010/main" xmlns="" w="9525">
+                <a14:hiddenLine xmlns="" xmlns:a14="http://schemas.microsoft.com/office/drawing/2010/main" w="9525">
                   <a:solidFill>
                     <a:srgbClr val="000000"/>
                   </a:solidFill>
@@ -669,7 +669,7 @@
             </a:ln>
             <a:extLst>
               <a:ext uri="{91240B29-F687-4f45-9708-019B960494DF}">
-                <a14:hiddenLine xmlns:a14="http://schemas.microsoft.com/office/drawing/2010/main" xmlns="" w="9525">
+                <a14:hiddenLine xmlns="" xmlns:a14="http://schemas.microsoft.com/office/drawing/2010/main" w="9525">
                   <a:solidFill>
                     <a:srgbClr val="000000"/>
                   </a:solidFill>
@@ -759,7 +759,7 @@
             </a:ln>
             <a:extLst>
               <a:ext uri="{91240B29-F687-4f45-9708-019B960494DF}">
-                <a14:hiddenLine xmlns:a14="http://schemas.microsoft.com/office/drawing/2010/main" xmlns="" w="9525">
+                <a14:hiddenLine xmlns="" xmlns:a14="http://schemas.microsoft.com/office/drawing/2010/main" w="9525">
                   <a:solidFill>
                     <a:srgbClr val="000000"/>
                   </a:solidFill>
@@ -793,7 +793,7 @@
             </a:ln>
             <a:extLst>
               <a:ext uri="{91240B29-F687-4f45-9708-019B960494DF}">
-                <a14:hiddenLine xmlns:a14="http://schemas.microsoft.com/office/drawing/2010/main" xmlns="" w="9525">
+                <a14:hiddenLine xmlns="" xmlns:a14="http://schemas.microsoft.com/office/drawing/2010/main" w="9525">
                   <a:solidFill>
                     <a:srgbClr val="000000"/>
                   </a:solidFill>
@@ -883,7 +883,7 @@
             </a:ln>
             <a:extLst>
               <a:ext uri="{91240B29-F687-4f45-9708-019B960494DF}">
-                <a14:hiddenLine xmlns:a14="http://schemas.microsoft.com/office/drawing/2010/main" xmlns="" w="9525">
+                <a14:hiddenLine xmlns="" xmlns:a14="http://schemas.microsoft.com/office/drawing/2010/main" w="9525">
                   <a:solidFill>
                     <a:srgbClr val="000000"/>
                   </a:solidFill>
@@ -945,7 +945,7 @@
             </a:ln>
             <a:extLst>
               <a:ext uri="{91240B29-F687-4f45-9708-019B960494DF}">
-                <a14:hiddenLine xmlns:a14="http://schemas.microsoft.com/office/drawing/2010/main" xmlns="" w="9525">
+                <a14:hiddenLine xmlns="" xmlns:a14="http://schemas.microsoft.com/office/drawing/2010/main" w="9525">
                   <a:solidFill>
                     <a:srgbClr val="000000"/>
                   </a:solidFill>
@@ -1007,7 +1007,7 @@
             </a:ln>
             <a:extLst>
               <a:ext uri="{91240B29-F687-4f45-9708-019B960494DF}">
-                <a14:hiddenLine xmlns:a14="http://schemas.microsoft.com/office/drawing/2010/main" xmlns="" w="9525">
+                <a14:hiddenLine xmlns="" xmlns:a14="http://schemas.microsoft.com/office/drawing/2010/main" w="9525">
                   <a:solidFill>
                     <a:srgbClr val="000000"/>
                   </a:solidFill>
@@ -1097,7 +1097,7 @@
             </a:ln>
             <a:extLst>
               <a:ext uri="{91240B29-F687-4f45-9708-019B960494DF}">
-                <a14:hiddenLine xmlns:a14="http://schemas.microsoft.com/office/drawing/2010/main" xmlns="" w="9525">
+                <a14:hiddenLine xmlns="" xmlns:a14="http://schemas.microsoft.com/office/drawing/2010/main" w="9525">
                   <a:solidFill>
                     <a:srgbClr val="000000"/>
                   </a:solidFill>
@@ -1159,7 +1159,7 @@
             </a:ln>
             <a:extLst>
               <a:ext uri="{91240B29-F687-4f45-9708-019B960494DF}">
-                <a14:hiddenLine xmlns:a14="http://schemas.microsoft.com/office/drawing/2010/main" xmlns="" w="9525">
+                <a14:hiddenLine xmlns="" xmlns:a14="http://schemas.microsoft.com/office/drawing/2010/main" w="9525">
                   <a:solidFill>
                     <a:srgbClr val="000000"/>
                   </a:solidFill>
@@ -1221,7 +1221,7 @@
             </a:ln>
             <a:extLst>
               <a:ext uri="{91240B29-F687-4f45-9708-019B960494DF}">
-                <a14:hiddenLine xmlns:a14="http://schemas.microsoft.com/office/drawing/2010/main" xmlns="" w="9525">
+                <a14:hiddenLine xmlns="" xmlns:a14="http://schemas.microsoft.com/office/drawing/2010/main" w="9525">
                   <a:solidFill>
                     <a:srgbClr val="000000"/>
                   </a:solidFill>
@@ -1311,7 +1311,7 @@
             </a:ln>
             <a:extLst>
               <a:ext uri="{91240B29-F687-4f45-9708-019B960494DF}">
-                <a14:hiddenLine xmlns:a14="http://schemas.microsoft.com/office/drawing/2010/main" xmlns="" w="9525">
+                <a14:hiddenLine xmlns="" xmlns:a14="http://schemas.microsoft.com/office/drawing/2010/main" w="9525">
                   <a:solidFill>
                     <a:srgbClr val="000000"/>
                   </a:solidFill>
@@ -1401,7 +1401,7 @@
             </a:ln>
             <a:extLst>
               <a:ext uri="{91240B29-F687-4f45-9708-019B960494DF}">
-                <a14:hiddenLine xmlns:a14="http://schemas.microsoft.com/office/drawing/2010/main" xmlns="" w="9525">
+                <a14:hiddenLine xmlns="" xmlns:a14="http://schemas.microsoft.com/office/drawing/2010/main" w="9525">
                   <a:solidFill>
                     <a:srgbClr val="000000"/>
                   </a:solidFill>
@@ -1463,7 +1463,7 @@
             </a:ln>
             <a:extLst>
               <a:ext uri="{91240B29-F687-4f45-9708-019B960494DF}">
-                <a14:hiddenLine xmlns:a14="http://schemas.microsoft.com/office/drawing/2010/main" xmlns="" w="9525">
+                <a14:hiddenLine xmlns="" xmlns:a14="http://schemas.microsoft.com/office/drawing/2010/main" w="9525">
                   <a:solidFill>
                     <a:srgbClr val="000000"/>
                   </a:solidFill>
@@ -1573,7 +1573,7 @@
             </a:ln>
             <a:extLst>
               <a:ext uri="{91240B29-F687-4f45-9708-019B960494DF}">
-                <a14:hiddenLine xmlns:a14="http://schemas.microsoft.com/office/drawing/2010/main" xmlns="" w="9525">
+                <a14:hiddenLine xmlns="" xmlns:a14="http://schemas.microsoft.com/office/drawing/2010/main" w="9525">
                   <a:solidFill>
                     <a:srgbClr val="000000"/>
                   </a:solidFill>
@@ -1635,7 +1635,7 @@
             </a:ln>
             <a:extLst>
               <a:ext uri="{91240B29-F687-4f45-9708-019B960494DF}">
-                <a14:hiddenLine xmlns:a14="http://schemas.microsoft.com/office/drawing/2010/main" xmlns="" w="9525">
+                <a14:hiddenLine xmlns="" xmlns:a14="http://schemas.microsoft.com/office/drawing/2010/main" w="9525">
                   <a:solidFill>
                     <a:srgbClr val="000000"/>
                   </a:solidFill>
@@ -1725,7 +1725,7 @@
             </a:ln>
             <a:extLst>
               <a:ext uri="{91240B29-F687-4f45-9708-019B960494DF}">
-                <a14:hiddenLine xmlns:a14="http://schemas.microsoft.com/office/drawing/2010/main" xmlns="" w="9525">
+                <a14:hiddenLine xmlns="" xmlns:a14="http://schemas.microsoft.com/office/drawing/2010/main" w="9525">
                   <a:solidFill>
                     <a:srgbClr val="000000"/>
                   </a:solidFill>
@@ -1815,7 +1815,7 @@
             </a:ln>
             <a:extLst>
               <a:ext uri="{91240B29-F687-4f45-9708-019B960494DF}">
-                <a14:hiddenLine xmlns:a14="http://schemas.microsoft.com/office/drawing/2010/main" xmlns="" w="9525">
+                <a14:hiddenLine xmlns="" xmlns:a14="http://schemas.microsoft.com/office/drawing/2010/main" w="9525">
                   <a:solidFill>
                     <a:srgbClr val="000000"/>
                   </a:solidFill>
@@ -1877,7 +1877,7 @@
             </a:ln>
             <a:extLst>
               <a:ext uri="{91240B29-F687-4f45-9708-019B960494DF}">
-                <a14:hiddenLine xmlns:a14="http://schemas.microsoft.com/office/drawing/2010/main" xmlns="" w="9525">
+                <a14:hiddenLine xmlns="" xmlns:a14="http://schemas.microsoft.com/office/drawing/2010/main" w="9525">
                   <a:solidFill>
                     <a:srgbClr val="000000"/>
                   </a:solidFill>
@@ -1967,7 +1967,7 @@
             </a:ln>
             <a:extLst>
               <a:ext uri="{91240B29-F687-4f45-9708-019B960494DF}">
-                <a14:hiddenLine xmlns:a14="http://schemas.microsoft.com/office/drawing/2010/main" xmlns="" w="9525">
+                <a14:hiddenLine xmlns="" xmlns:a14="http://schemas.microsoft.com/office/drawing/2010/main" w="9525">
                   <a:solidFill>
                     <a:srgbClr val="000000"/>
                   </a:solidFill>
@@ -2057,7 +2057,7 @@
             </a:ln>
             <a:extLst>
               <a:ext uri="{91240B29-F687-4f45-9708-019B960494DF}">
-                <a14:hiddenLine xmlns:a14="http://schemas.microsoft.com/office/drawing/2010/main" xmlns="" w="9525">
+                <a14:hiddenLine xmlns="" xmlns:a14="http://schemas.microsoft.com/office/drawing/2010/main" w="9525">
                   <a:solidFill>
                     <a:srgbClr val="000000"/>
                   </a:solidFill>
@@ -2113,7 +2113,7 @@
             </a:ln>
             <a:extLst>
               <a:ext uri="{91240B29-F687-4f45-9708-019B960494DF}">
-                <a14:hiddenLine xmlns:a14="http://schemas.microsoft.com/office/drawing/2010/main" xmlns="" w="9525">
+                <a14:hiddenLine xmlns="" xmlns:a14="http://schemas.microsoft.com/office/drawing/2010/main" w="9525">
                   <a:solidFill>
                     <a:srgbClr val="000000"/>
                   </a:solidFill>
@@ -2203,7 +2203,7 @@
             </a:ln>
             <a:extLst>
               <a:ext uri="{91240B29-F687-4f45-9708-019B960494DF}">
-                <a14:hiddenLine xmlns:a14="http://schemas.microsoft.com/office/drawing/2010/main" xmlns="" w="9525">
+                <a14:hiddenLine xmlns="" xmlns:a14="http://schemas.microsoft.com/office/drawing/2010/main" w="9525">
                   <a:solidFill>
                     <a:srgbClr val="000000"/>
                   </a:solidFill>
@@ -2259,7 +2259,7 @@
             </a:ln>
             <a:extLst>
               <a:ext uri="{91240B29-F687-4f45-9708-019B960494DF}">
-                <a14:hiddenLine xmlns:a14="http://schemas.microsoft.com/office/drawing/2010/main" xmlns="" w="9525">
+                <a14:hiddenLine xmlns="" xmlns:a14="http://schemas.microsoft.com/office/drawing/2010/main" w="9525">
                   <a:solidFill>
                     <a:srgbClr val="000000"/>
                   </a:solidFill>
@@ -2349,7 +2349,7 @@
             </a:ln>
             <a:extLst>
               <a:ext uri="{91240B29-F687-4f45-9708-019B960494DF}">
-                <a14:hiddenLine xmlns:a14="http://schemas.microsoft.com/office/drawing/2010/main" xmlns="" w="9525">
+                <a14:hiddenLine xmlns="" xmlns:a14="http://schemas.microsoft.com/office/drawing/2010/main" w="9525">
                   <a:solidFill>
                     <a:srgbClr val="000000"/>
                   </a:solidFill>
@@ -2417,7 +2417,7 @@
             </a:ln>
             <a:extLst>
               <a:ext uri="{91240B29-F687-4f45-9708-019B960494DF}">
-                <a14:hiddenLine xmlns:a14="http://schemas.microsoft.com/office/drawing/2010/main" xmlns="" w="9525">
+                <a14:hiddenLine xmlns="" xmlns:a14="http://schemas.microsoft.com/office/drawing/2010/main" w="9525">
                   <a:solidFill>
                     <a:srgbClr val="000000"/>
                   </a:solidFill>
@@ -2507,7 +2507,7 @@
             </a:ln>
             <a:extLst>
               <a:ext uri="{91240B29-F687-4f45-9708-019B960494DF}">
-                <a14:hiddenLine xmlns:a14="http://schemas.microsoft.com/office/drawing/2010/main" xmlns="" w="9525">
+                <a14:hiddenLine xmlns="" xmlns:a14="http://schemas.microsoft.com/office/drawing/2010/main" w="9525">
                   <a:solidFill>
                     <a:srgbClr val="000000"/>
                   </a:solidFill>
@@ -2575,7 +2575,7 @@
             </a:ln>
             <a:extLst>
               <a:ext uri="{91240B29-F687-4f45-9708-019B960494DF}">
-                <a14:hiddenLine xmlns:a14="http://schemas.microsoft.com/office/drawing/2010/main" xmlns="" w="9525">
+                <a14:hiddenLine xmlns="" xmlns:a14="http://schemas.microsoft.com/office/drawing/2010/main" w="9525">
                   <a:solidFill>
                     <a:srgbClr val="000000"/>
                   </a:solidFill>
@@ -2665,7 +2665,7 @@
             </a:ln>
             <a:extLst>
               <a:ext uri="{91240B29-F687-4f45-9708-019B960494DF}">
-                <a14:hiddenLine xmlns:a14="http://schemas.microsoft.com/office/drawing/2010/main" xmlns="" w="9525">
+                <a14:hiddenLine xmlns="" xmlns:a14="http://schemas.microsoft.com/office/drawing/2010/main" w="9525">
                   <a:solidFill>
                     <a:srgbClr val="000000"/>
                   </a:solidFill>
@@ -2699,7 +2699,7 @@
             </a:ln>
             <a:extLst>
               <a:ext uri="{91240B29-F687-4f45-9708-019B960494DF}">
-                <a14:hiddenLine xmlns:a14="http://schemas.microsoft.com/office/drawing/2010/main" xmlns="" w="9525">
+                <a14:hiddenLine xmlns="" xmlns:a14="http://schemas.microsoft.com/office/drawing/2010/main" w="9525">
                   <a:solidFill>
                     <a:srgbClr val="000000"/>
                   </a:solidFill>
@@ -2789,7 +2789,7 @@
             </a:ln>
             <a:extLst>
               <a:ext uri="{91240B29-F687-4f45-9708-019B960494DF}">
-                <a14:hiddenLine xmlns:a14="http://schemas.microsoft.com/office/drawing/2010/main" xmlns="" w="9525">
+                <a14:hiddenLine xmlns="" xmlns:a14="http://schemas.microsoft.com/office/drawing/2010/main" w="9525">
                   <a:solidFill>
                     <a:srgbClr val="000000"/>
                   </a:solidFill>
@@ -2851,7 +2851,7 @@
             </a:ln>
             <a:extLst>
               <a:ext uri="{91240B29-F687-4f45-9708-019B960494DF}">
-                <a14:hiddenLine xmlns:a14="http://schemas.microsoft.com/office/drawing/2010/main" xmlns="" w="9525">
+                <a14:hiddenLine xmlns="" xmlns:a14="http://schemas.microsoft.com/office/drawing/2010/main" w="9525">
                   <a:solidFill>
                     <a:srgbClr val="000000"/>
                   </a:solidFill>
@@ -2913,7 +2913,7 @@
             </a:ln>
             <a:extLst>
               <a:ext uri="{91240B29-F687-4f45-9708-019B960494DF}">
-                <a14:hiddenLine xmlns:a14="http://schemas.microsoft.com/office/drawing/2010/main" xmlns="" w="9525">
+                <a14:hiddenLine xmlns="" xmlns:a14="http://schemas.microsoft.com/office/drawing/2010/main" w="9525">
                   <a:solidFill>
                     <a:srgbClr val="000000"/>
                   </a:solidFill>
@@ -3003,7 +3003,7 @@
             </a:ln>
             <a:extLst>
               <a:ext uri="{91240B29-F687-4f45-9708-019B960494DF}">
-                <a14:hiddenLine xmlns:a14="http://schemas.microsoft.com/office/drawing/2010/main" xmlns="" w="9525">
+                <a14:hiddenLine xmlns="" xmlns:a14="http://schemas.microsoft.com/office/drawing/2010/main" w="9525">
                   <a:solidFill>
                     <a:srgbClr val="000000"/>
                   </a:solidFill>
@@ -3071,7 +3071,7 @@
             </a:ln>
             <a:extLst>
               <a:ext uri="{91240B29-F687-4f45-9708-019B960494DF}">
-                <a14:hiddenLine xmlns:a14="http://schemas.microsoft.com/office/drawing/2010/main" xmlns="" w="9525">
+                <a14:hiddenLine xmlns="" xmlns:a14="http://schemas.microsoft.com/office/drawing/2010/main" w="9525">
                   <a:solidFill>
                     <a:srgbClr val="000000"/>
                   </a:solidFill>
@@ -3133,7 +3133,7 @@
             </a:ln>
             <a:extLst>
               <a:ext uri="{91240B29-F687-4f45-9708-019B960494DF}">
-                <a14:hiddenLine xmlns:a14="http://schemas.microsoft.com/office/drawing/2010/main" xmlns="" w="9525">
+                <a14:hiddenLine xmlns="" xmlns:a14="http://schemas.microsoft.com/office/drawing/2010/main" w="9525">
                   <a:solidFill>
                     <a:srgbClr val="000000"/>
                   </a:solidFill>
@@ -3223,7 +3223,7 @@
             </a:ln>
             <a:extLst>
               <a:ext uri="{91240B29-F687-4f45-9708-019B960494DF}">
-                <a14:hiddenLine xmlns:a14="http://schemas.microsoft.com/office/drawing/2010/main" xmlns="" w="9525">
+                <a14:hiddenLine xmlns="" xmlns:a14="http://schemas.microsoft.com/office/drawing/2010/main" w="9525">
                   <a:solidFill>
                     <a:srgbClr val="000000"/>
                   </a:solidFill>
@@ -3285,7 +3285,7 @@
             </a:ln>
             <a:extLst>
               <a:ext uri="{91240B29-F687-4f45-9708-019B960494DF}">
-                <a14:hiddenLine xmlns:a14="http://schemas.microsoft.com/office/drawing/2010/main" xmlns="" w="9525">
+                <a14:hiddenLine xmlns="" xmlns:a14="http://schemas.microsoft.com/office/drawing/2010/main" w="9525">
                   <a:solidFill>
                     <a:srgbClr val="000000"/>
                   </a:solidFill>
@@ -3375,7 +3375,7 @@
             </a:ln>
             <a:extLst>
               <a:ext uri="{91240B29-F687-4f45-9708-019B960494DF}">
-                <a14:hiddenLine xmlns:a14="http://schemas.microsoft.com/office/drawing/2010/main" xmlns="" w="9525">
+                <a14:hiddenLine xmlns="" xmlns:a14="http://schemas.microsoft.com/office/drawing/2010/main" w="9525">
                   <a:solidFill>
                     <a:srgbClr val="000000"/>
                   </a:solidFill>
@@ -3437,7 +3437,7 @@
             </a:ln>
             <a:extLst>
               <a:ext uri="{91240B29-F687-4f45-9708-019B960494DF}">
-                <a14:hiddenLine xmlns:a14="http://schemas.microsoft.com/office/drawing/2010/main" xmlns="" w="9525">
+                <a14:hiddenLine xmlns="" xmlns:a14="http://schemas.microsoft.com/office/drawing/2010/main" w="9525">
                   <a:solidFill>
                     <a:srgbClr val="000000"/>
                   </a:solidFill>
@@ -3527,7 +3527,7 @@
             </a:ln>
             <a:extLst>
               <a:ext uri="{91240B29-F687-4f45-9708-019B960494DF}">
-                <a14:hiddenLine xmlns:a14="http://schemas.microsoft.com/office/drawing/2010/main" xmlns="" w="9525">
+                <a14:hiddenLine xmlns="" xmlns:a14="http://schemas.microsoft.com/office/drawing/2010/main" w="9525">
                   <a:solidFill>
                     <a:srgbClr val="000000"/>
                   </a:solidFill>
@@ -3561,7 +3561,7 @@
             </a:ln>
             <a:extLst>
               <a:ext uri="{91240B29-F687-4f45-9708-019B960494DF}">
-                <a14:hiddenLine xmlns:a14="http://schemas.microsoft.com/office/drawing/2010/main" xmlns="" w="9525">
+                <a14:hiddenLine xmlns="" xmlns:a14="http://schemas.microsoft.com/office/drawing/2010/main" w="9525">
                   <a:solidFill>
                     <a:srgbClr val="000000"/>
                   </a:solidFill>
@@ -3626,7 +3626,7 @@
             </a:ln>
             <a:extLst>
               <a:ext uri="{91240B29-F687-4f45-9708-019B960494DF}">
-                <a14:hiddenLine xmlns:a14="http://schemas.microsoft.com/office/drawing/2010/main" xmlns="" w="9525">
+                <a14:hiddenLine xmlns="" xmlns:a14="http://schemas.microsoft.com/office/drawing/2010/main" w="9525">
                   <a:solidFill>
                     <a:srgbClr val="000000"/>
                   </a:solidFill>
@@ -3716,7 +3716,7 @@
             </a:ln>
             <a:extLst>
               <a:ext uri="{91240B29-F687-4f45-9708-019B960494DF}">
-                <a14:hiddenLine xmlns:a14="http://schemas.microsoft.com/office/drawing/2010/main" xmlns="" w="9525">
+                <a14:hiddenLine xmlns="" xmlns:a14="http://schemas.microsoft.com/office/drawing/2010/main" w="9525">
                   <a:solidFill>
                     <a:srgbClr val="000000"/>
                   </a:solidFill>
@@ -3778,7 +3778,7 @@
             </a:ln>
             <a:extLst>
               <a:ext uri="{91240B29-F687-4f45-9708-019B960494DF}">
-                <a14:hiddenLine xmlns:a14="http://schemas.microsoft.com/office/drawing/2010/main" xmlns="" w="9525">
+                <a14:hiddenLine xmlns="" xmlns:a14="http://schemas.microsoft.com/office/drawing/2010/main" w="9525">
                   <a:solidFill>
                     <a:srgbClr val="000000"/>
                   </a:solidFill>
@@ -3868,7 +3868,7 @@
             </a:ln>
             <a:extLst>
               <a:ext uri="{91240B29-F687-4f45-9708-019B960494DF}">
-                <a14:hiddenLine xmlns:a14="http://schemas.microsoft.com/office/drawing/2010/main" xmlns="" w="9525">
+                <a14:hiddenLine xmlns="" xmlns:a14="http://schemas.microsoft.com/office/drawing/2010/main" w="9525">
                   <a:solidFill>
                     <a:srgbClr val="000000"/>
                   </a:solidFill>
@@ -3958,7 +3958,7 @@
             </a:ln>
             <a:extLst>
               <a:ext uri="{91240B29-F687-4f45-9708-019B960494DF}">
-                <a14:hiddenLine xmlns:a14="http://schemas.microsoft.com/office/drawing/2010/main" xmlns="" w="9525">
+                <a14:hiddenLine xmlns="" xmlns:a14="http://schemas.microsoft.com/office/drawing/2010/main" w="9525">
                   <a:solidFill>
                     <a:srgbClr val="000000"/>
                   </a:solidFill>
@@ -4023,7 +4023,7 @@
             </a:ln>
             <a:extLst>
               <a:ext uri="{91240B29-F687-4f45-9708-019B960494DF}">
-                <a14:hiddenLine xmlns:a14="http://schemas.microsoft.com/office/drawing/2010/main" xmlns="" w="9525">
+                <a14:hiddenLine xmlns="" xmlns:a14="http://schemas.microsoft.com/office/drawing/2010/main" w="9525">
                   <a:solidFill>
                     <a:srgbClr val="000000"/>
                   </a:solidFill>
@@ -4085,7 +4085,7 @@
             </a:ln>
             <a:extLst>
               <a:ext uri="{91240B29-F687-4f45-9708-019B960494DF}">
-                <a14:hiddenLine xmlns:a14="http://schemas.microsoft.com/office/drawing/2010/main" xmlns="" w="9525">
+                <a14:hiddenLine xmlns="" xmlns:a14="http://schemas.microsoft.com/office/drawing/2010/main" w="9525">
                   <a:solidFill>
                     <a:srgbClr val="000000"/>
                   </a:solidFill>
@@ -4175,7 +4175,7 @@
             </a:ln>
             <a:extLst>
               <a:ext uri="{91240B29-F687-4f45-9708-019B960494DF}">
-                <a14:hiddenLine xmlns:a14="http://schemas.microsoft.com/office/drawing/2010/main" xmlns="" w="9525">
+                <a14:hiddenLine xmlns="" xmlns:a14="http://schemas.microsoft.com/office/drawing/2010/main" w="9525">
                   <a:solidFill>
                     <a:srgbClr val="000000"/>
                   </a:solidFill>
@@ -4265,7 +4265,7 @@
             </a:ln>
             <a:extLst>
               <a:ext uri="{91240B29-F687-4f45-9708-019B960494DF}">
-                <a14:hiddenLine xmlns:a14="http://schemas.microsoft.com/office/drawing/2010/main" xmlns="" w="9525">
+                <a14:hiddenLine xmlns="" xmlns:a14="http://schemas.microsoft.com/office/drawing/2010/main" w="9525">
                   <a:solidFill>
                     <a:srgbClr val="000000"/>
                   </a:solidFill>
@@ -4327,7 +4327,7 @@
             </a:ln>
             <a:extLst>
               <a:ext uri="{91240B29-F687-4f45-9708-019B960494DF}">
-                <a14:hiddenLine xmlns:a14="http://schemas.microsoft.com/office/drawing/2010/main" xmlns="" w="9525">
+                <a14:hiddenLine xmlns="" xmlns:a14="http://schemas.microsoft.com/office/drawing/2010/main" w="9525">
                   <a:solidFill>
                     <a:srgbClr val="000000"/>
                   </a:solidFill>
@@ -4447,7 +4447,7 @@
             </a:ln>
             <a:extLst>
               <a:ext uri="{91240B29-F687-4f45-9708-019B960494DF}">
-                <a14:hiddenLine xmlns:a14="http://schemas.microsoft.com/office/drawing/2010/main" xmlns="" w="9525">
+                <a14:hiddenLine xmlns="" xmlns:a14="http://schemas.microsoft.com/office/drawing/2010/main" w="9525">
                   <a:solidFill>
                     <a:srgbClr val="000000"/>
                   </a:solidFill>
@@ -4515,7 +4515,7 @@
             </a:ln>
             <a:extLst>
               <a:ext uri="{91240B29-F687-4f45-9708-019B960494DF}">
-                <a14:hiddenLine xmlns:a14="http://schemas.microsoft.com/office/drawing/2010/main" xmlns="" w="9525">
+                <a14:hiddenLine xmlns="" xmlns:a14="http://schemas.microsoft.com/office/drawing/2010/main" w="9525">
                   <a:solidFill>
                     <a:srgbClr val="000000"/>
                   </a:solidFill>
@@ -4605,7 +4605,7 @@
             </a:ln>
             <a:extLst>
               <a:ext uri="{91240B29-F687-4f45-9708-019B960494DF}">
-                <a14:hiddenLine xmlns:a14="http://schemas.microsoft.com/office/drawing/2010/main" xmlns="" w="9525">
+                <a14:hiddenLine xmlns="" xmlns:a14="http://schemas.microsoft.com/office/drawing/2010/main" w="9525">
                   <a:solidFill>
                     <a:srgbClr val="000000"/>
                   </a:solidFill>
@@ -9395,7 +9395,7 @@
           <a:noFill/>
           <a:extLst>
             <a:ext uri="{909E8E84-426E-40dd-AFC4-6F175D3DCCD1}">
-              <a14:hiddenFill xmlns:a14="http://schemas.microsoft.com/office/drawing/2010/main" xmlns="">
+              <a14:hiddenFill xmlns="" xmlns:a14="http://schemas.microsoft.com/office/drawing/2010/main">
                 <a:solidFill>
                   <a:srgbClr val="FFFFFF"/>
                 </a:solidFill>
@@ -9469,7 +9469,7 @@
               </a:ln>
               <a:extLst>
                 <a:ext uri="{91240B29-F687-4f45-9708-019B960494DF}">
-                  <a14:hiddenLine xmlns:a14="http://schemas.microsoft.com/office/drawing/2010/main" xmlns="" w="9525">
+                  <a14:hiddenLine xmlns="" xmlns:a14="http://schemas.microsoft.com/office/drawing/2010/main" w="9525">
                     <a:solidFill>
                       <a:srgbClr val="000000"/>
                     </a:solidFill>
@@ -9559,7 +9559,7 @@
               </a:ln>
               <a:extLst>
                 <a:ext uri="{91240B29-F687-4f45-9708-019B960494DF}">
-                  <a14:hiddenLine xmlns:a14="http://schemas.microsoft.com/office/drawing/2010/main" xmlns="" w="9525">
+                  <a14:hiddenLine xmlns="" xmlns:a14="http://schemas.microsoft.com/office/drawing/2010/main" w="9525">
                     <a:solidFill>
                       <a:srgbClr val="000000"/>
                     </a:solidFill>
@@ -9649,7 +9649,7 @@
               </a:ln>
               <a:extLst>
                 <a:ext uri="{91240B29-F687-4f45-9708-019B960494DF}">
-                  <a14:hiddenLine xmlns:a14="http://schemas.microsoft.com/office/drawing/2010/main" xmlns="" w="9525">
+                  <a14:hiddenLine xmlns="" xmlns:a14="http://schemas.microsoft.com/office/drawing/2010/main" w="9525">
                     <a:solidFill>
                       <a:srgbClr val="000000"/>
                     </a:solidFill>
@@ -9711,7 +9711,7 @@
               </a:ln>
               <a:extLst>
                 <a:ext uri="{91240B29-F687-4f45-9708-019B960494DF}">
-                  <a14:hiddenLine xmlns:a14="http://schemas.microsoft.com/office/drawing/2010/main" xmlns="" w="9525">
+                  <a14:hiddenLine xmlns="" xmlns:a14="http://schemas.microsoft.com/office/drawing/2010/main" w="9525">
                     <a:solidFill>
                       <a:srgbClr val="000000"/>
                     </a:solidFill>
@@ -9801,7 +9801,7 @@
               </a:ln>
               <a:extLst>
                 <a:ext uri="{91240B29-F687-4f45-9708-019B960494DF}">
-                  <a14:hiddenLine xmlns:a14="http://schemas.microsoft.com/office/drawing/2010/main" xmlns="" w="9525">
+                  <a14:hiddenLine xmlns="" xmlns:a14="http://schemas.microsoft.com/office/drawing/2010/main" w="9525">
                     <a:solidFill>
                       <a:srgbClr val="000000"/>
                     </a:solidFill>
@@ -9863,7 +9863,7 @@
               </a:ln>
               <a:extLst>
                 <a:ext uri="{91240B29-F687-4f45-9708-019B960494DF}">
-                  <a14:hiddenLine xmlns:a14="http://schemas.microsoft.com/office/drawing/2010/main" xmlns="" w="9525">
+                  <a14:hiddenLine xmlns="" xmlns:a14="http://schemas.microsoft.com/office/drawing/2010/main" w="9525">
                     <a:solidFill>
                       <a:srgbClr val="000000"/>
                     </a:solidFill>
@@ -9925,7 +9925,7 @@
               </a:ln>
               <a:extLst>
                 <a:ext uri="{91240B29-F687-4f45-9708-019B960494DF}">
-                  <a14:hiddenLine xmlns:a14="http://schemas.microsoft.com/office/drawing/2010/main" xmlns="" w="9525">
+                  <a14:hiddenLine xmlns="" xmlns:a14="http://schemas.microsoft.com/office/drawing/2010/main" w="9525">
                     <a:solidFill>
                       <a:srgbClr val="000000"/>
                     </a:solidFill>
@@ -10015,7 +10015,7 @@
               </a:ln>
               <a:extLst>
                 <a:ext uri="{91240B29-F687-4f45-9708-019B960494DF}">
-                  <a14:hiddenLine xmlns:a14="http://schemas.microsoft.com/office/drawing/2010/main" xmlns="" w="9525">
+                  <a14:hiddenLine xmlns="" xmlns:a14="http://schemas.microsoft.com/office/drawing/2010/main" w="9525">
                     <a:solidFill>
                       <a:srgbClr val="000000"/>
                     </a:solidFill>
@@ -10105,7 +10105,7 @@
               </a:ln>
               <a:extLst>
                 <a:ext uri="{91240B29-F687-4f45-9708-019B960494DF}">
-                  <a14:hiddenLine xmlns:a14="http://schemas.microsoft.com/office/drawing/2010/main" xmlns="" w="9525">
+                  <a14:hiddenLine xmlns="" xmlns:a14="http://schemas.microsoft.com/office/drawing/2010/main" w="9525">
                     <a:solidFill>
                       <a:srgbClr val="000000"/>
                     </a:solidFill>
@@ -10167,7 +10167,7 @@
               </a:ln>
               <a:extLst>
                 <a:ext uri="{91240B29-F687-4f45-9708-019B960494DF}">
-                  <a14:hiddenLine xmlns:a14="http://schemas.microsoft.com/office/drawing/2010/main" xmlns="" w="9525">
+                  <a14:hiddenLine xmlns="" xmlns:a14="http://schemas.microsoft.com/office/drawing/2010/main" w="9525">
                     <a:solidFill>
                       <a:srgbClr val="000000"/>
                     </a:solidFill>
@@ -10277,7 +10277,7 @@
               </a:ln>
               <a:extLst>
                 <a:ext uri="{91240B29-F687-4f45-9708-019B960494DF}">
-                  <a14:hiddenLine xmlns:a14="http://schemas.microsoft.com/office/drawing/2010/main" xmlns="" w="9525">
+                  <a14:hiddenLine xmlns="" xmlns:a14="http://schemas.microsoft.com/office/drawing/2010/main" w="9525">
                     <a:solidFill>
                       <a:srgbClr val="000000"/>
                     </a:solidFill>
@@ -10361,7 +10361,7 @@
               </a:ln>
               <a:extLst>
                 <a:ext uri="{91240B29-F687-4f45-9708-019B960494DF}">
-                  <a14:hiddenLine xmlns:a14="http://schemas.microsoft.com/office/drawing/2010/main" xmlns="" w="9525">
+                  <a14:hiddenLine xmlns="" xmlns:a14="http://schemas.microsoft.com/office/drawing/2010/main" w="9525">
                     <a:solidFill>
                       <a:srgbClr val="000000"/>
                     </a:solidFill>
@@ -10423,7 +10423,7 @@
               </a:ln>
               <a:extLst>
                 <a:ext uri="{91240B29-F687-4f45-9708-019B960494DF}">
-                  <a14:hiddenLine xmlns:a14="http://schemas.microsoft.com/office/drawing/2010/main" xmlns="" w="9525">
+                  <a14:hiddenLine xmlns="" xmlns:a14="http://schemas.microsoft.com/office/drawing/2010/main" w="9525">
                     <a:solidFill>
                       <a:srgbClr val="000000"/>
                     </a:solidFill>
@@ -10485,7 +10485,7 @@
               </a:ln>
               <a:extLst>
                 <a:ext uri="{91240B29-F687-4f45-9708-019B960494DF}">
-                  <a14:hiddenLine xmlns:a14="http://schemas.microsoft.com/office/drawing/2010/main" xmlns="" w="9525">
+                  <a14:hiddenLine xmlns="" xmlns:a14="http://schemas.microsoft.com/office/drawing/2010/main" w="9525">
                     <a:solidFill>
                       <a:srgbClr val="000000"/>
                     </a:solidFill>
@@ -10575,7 +10575,7 @@
               </a:ln>
               <a:extLst>
                 <a:ext uri="{91240B29-F687-4f45-9708-019B960494DF}">
-                  <a14:hiddenLine xmlns:a14="http://schemas.microsoft.com/office/drawing/2010/main" xmlns="" w="9525">
+                  <a14:hiddenLine xmlns="" xmlns:a14="http://schemas.microsoft.com/office/drawing/2010/main" w="9525">
                     <a:solidFill>
                       <a:srgbClr val="000000"/>
                     </a:solidFill>
@@ -10609,7 +10609,7 @@
               </a:ln>
               <a:extLst>
                 <a:ext uri="{91240B29-F687-4f45-9708-019B960494DF}">
-                  <a14:hiddenLine xmlns:a14="http://schemas.microsoft.com/office/drawing/2010/main" xmlns="" w="9525">
+                  <a14:hiddenLine xmlns="" xmlns:a14="http://schemas.microsoft.com/office/drawing/2010/main" w="9525">
                     <a:solidFill>
                       <a:srgbClr val="000000"/>
                     </a:solidFill>
@@ -10674,7 +10674,7 @@
               </a:ln>
               <a:extLst>
                 <a:ext uri="{91240B29-F687-4f45-9708-019B960494DF}">
-                  <a14:hiddenLine xmlns:a14="http://schemas.microsoft.com/office/drawing/2010/main" xmlns="" w="9525">
+                  <a14:hiddenLine xmlns="" xmlns:a14="http://schemas.microsoft.com/office/drawing/2010/main" w="9525">
                     <a:solidFill>
                       <a:srgbClr val="000000"/>
                     </a:solidFill>
@@ -10764,7 +10764,7 @@
               </a:ln>
               <a:extLst>
                 <a:ext uri="{91240B29-F687-4f45-9708-019B960494DF}">
-                  <a14:hiddenLine xmlns:a14="http://schemas.microsoft.com/office/drawing/2010/main" xmlns="" w="9525">
+                  <a14:hiddenLine xmlns="" xmlns:a14="http://schemas.microsoft.com/office/drawing/2010/main" w="9525">
                     <a:solidFill>
                       <a:srgbClr val="000000"/>
                     </a:solidFill>
@@ -10826,7 +10826,7 @@
               </a:ln>
               <a:extLst>
                 <a:ext uri="{91240B29-F687-4f45-9708-019B960494DF}">
-                  <a14:hiddenLine xmlns:a14="http://schemas.microsoft.com/office/drawing/2010/main" xmlns="" w="9525">
+                  <a14:hiddenLine xmlns="" xmlns:a14="http://schemas.microsoft.com/office/drawing/2010/main" w="9525">
                     <a:solidFill>
                       <a:srgbClr val="000000"/>
                     </a:solidFill>
@@ -10916,7 +10916,7 @@
               </a:ln>
               <a:extLst>
                 <a:ext uri="{91240B29-F687-4f45-9708-019B960494DF}">
-                  <a14:hiddenLine xmlns:a14="http://schemas.microsoft.com/office/drawing/2010/main" xmlns="" w="9525">
+                  <a14:hiddenLine xmlns="" xmlns:a14="http://schemas.microsoft.com/office/drawing/2010/main" w="9525">
                     <a:solidFill>
                       <a:srgbClr val="000000"/>
                     </a:solidFill>
@@ -10981,7 +10981,7 @@
               </a:ln>
               <a:extLst>
                 <a:ext uri="{91240B29-F687-4f45-9708-019B960494DF}">
-                  <a14:hiddenLine xmlns:a14="http://schemas.microsoft.com/office/drawing/2010/main" xmlns="" w="9525">
+                  <a14:hiddenLine xmlns="" xmlns:a14="http://schemas.microsoft.com/office/drawing/2010/main" w="9525">
                     <a:solidFill>
                       <a:srgbClr val="000000"/>
                     </a:solidFill>
@@ -11043,7 +11043,7 @@
               </a:ln>
               <a:extLst>
                 <a:ext uri="{91240B29-F687-4f45-9708-019B960494DF}">
-                  <a14:hiddenLine xmlns:a14="http://schemas.microsoft.com/office/drawing/2010/main" xmlns="" w="9525">
+                  <a14:hiddenLine xmlns="" xmlns:a14="http://schemas.microsoft.com/office/drawing/2010/main" w="9525">
                     <a:solidFill>
                       <a:srgbClr val="000000"/>
                     </a:solidFill>
@@ -11133,7 +11133,7 @@
               </a:ln>
               <a:extLst>
                 <a:ext uri="{91240B29-F687-4f45-9708-019B960494DF}">
-                  <a14:hiddenLine xmlns:a14="http://schemas.microsoft.com/office/drawing/2010/main" xmlns="" w="9525">
+                  <a14:hiddenLine xmlns="" xmlns:a14="http://schemas.microsoft.com/office/drawing/2010/main" w="9525">
                     <a:solidFill>
                       <a:srgbClr val="000000"/>
                     </a:solidFill>
@@ -11223,7 +11223,7 @@
               </a:ln>
               <a:extLst>
                 <a:ext uri="{91240B29-F687-4f45-9708-019B960494DF}">
-                  <a14:hiddenLine xmlns:a14="http://schemas.microsoft.com/office/drawing/2010/main" xmlns="" w="9525">
+                  <a14:hiddenLine xmlns="" xmlns:a14="http://schemas.microsoft.com/office/drawing/2010/main" w="9525">
                     <a:solidFill>
                       <a:srgbClr val="000000"/>
                     </a:solidFill>
@@ -11288,7 +11288,7 @@
               </a:ln>
               <a:extLst>
                 <a:ext uri="{91240B29-F687-4f45-9708-019B960494DF}">
-                  <a14:hiddenLine xmlns:a14="http://schemas.microsoft.com/office/drawing/2010/main" xmlns="" w="9525">
+                  <a14:hiddenLine xmlns="" xmlns:a14="http://schemas.microsoft.com/office/drawing/2010/main" w="9525">
                     <a:solidFill>
                       <a:srgbClr val="000000"/>
                     </a:solidFill>
@@ -11408,7 +11408,7 @@
               </a:ln>
               <a:extLst>
                 <a:ext uri="{91240B29-F687-4f45-9708-019B960494DF}">
-                  <a14:hiddenLine xmlns:a14="http://schemas.microsoft.com/office/drawing/2010/main" xmlns="" w="9525">
+                  <a14:hiddenLine xmlns="" xmlns:a14="http://schemas.microsoft.com/office/drawing/2010/main" w="9525">
                     <a:solidFill>
                       <a:srgbClr val="000000"/>
                     </a:solidFill>
@@ -11506,7 +11506,7 @@
               </a:ln>
               <a:extLst>
                 <a:ext uri="{91240B29-F687-4f45-9708-019B960494DF}">
-                  <a14:hiddenLine xmlns:a14="http://schemas.microsoft.com/office/drawing/2010/main" xmlns="" w="9525">
+                  <a14:hiddenLine xmlns="" xmlns:a14="http://schemas.microsoft.com/office/drawing/2010/main" w="9525">
                     <a:solidFill>
                       <a:srgbClr val="000000"/>
                     </a:solidFill>
@@ -11621,7 +11621,7 @@
               </a:ln>
               <a:extLst>
                 <a:ext uri="{91240B29-F687-4f45-9708-019B960494DF}">
-                  <a14:hiddenLine xmlns:a14="http://schemas.microsoft.com/office/drawing/2010/main" xmlns="" w="9525">
+                  <a14:hiddenLine xmlns="" xmlns:a14="http://schemas.microsoft.com/office/drawing/2010/main" w="9525">
                     <a:solidFill>
                       <a:srgbClr val="000000"/>
                     </a:solidFill>
@@ -11711,7 +11711,7 @@
               </a:ln>
               <a:extLst>
                 <a:ext uri="{91240B29-F687-4f45-9708-019B960494DF}">
-                  <a14:hiddenLine xmlns:a14="http://schemas.microsoft.com/office/drawing/2010/main" xmlns="" w="9525">
+                  <a14:hiddenLine xmlns="" xmlns:a14="http://schemas.microsoft.com/office/drawing/2010/main" w="9525">
                     <a:solidFill>
                       <a:srgbClr val="000000"/>
                     </a:solidFill>
@@ -11776,7 +11776,7 @@
               </a:ln>
               <a:extLst>
                 <a:ext uri="{91240B29-F687-4f45-9708-019B960494DF}">
-                  <a14:hiddenLine xmlns:a14="http://schemas.microsoft.com/office/drawing/2010/main" xmlns="" w="9525">
+                  <a14:hiddenLine xmlns="" xmlns:a14="http://schemas.microsoft.com/office/drawing/2010/main" w="9525">
                     <a:solidFill>
                       <a:srgbClr val="000000"/>
                     </a:solidFill>
@@ -11866,7 +11866,7 @@
               </a:ln>
               <a:extLst>
                 <a:ext uri="{91240B29-F687-4f45-9708-019B960494DF}">
-                  <a14:hiddenLine xmlns:a14="http://schemas.microsoft.com/office/drawing/2010/main" xmlns="" w="9525">
+                  <a14:hiddenLine xmlns="" xmlns:a14="http://schemas.microsoft.com/office/drawing/2010/main" w="9525">
                     <a:solidFill>
                       <a:srgbClr val="000000"/>
                     </a:solidFill>
@@ -11934,7 +11934,7 @@
               </a:ln>
               <a:extLst>
                 <a:ext uri="{91240B29-F687-4f45-9708-019B960494DF}">
-                  <a14:hiddenLine xmlns:a14="http://schemas.microsoft.com/office/drawing/2010/main" xmlns="" w="9525">
+                  <a14:hiddenLine xmlns="" xmlns:a14="http://schemas.microsoft.com/office/drawing/2010/main" w="9525">
                     <a:solidFill>
                       <a:srgbClr val="000000"/>
                     </a:solidFill>
@@ -12024,7 +12024,7 @@
               </a:ln>
               <a:extLst>
                 <a:ext uri="{91240B29-F687-4f45-9708-019B960494DF}">
-                  <a14:hiddenLine xmlns:a14="http://schemas.microsoft.com/office/drawing/2010/main" xmlns="" w="9525">
+                  <a14:hiddenLine xmlns="" xmlns:a14="http://schemas.microsoft.com/office/drawing/2010/main" w="9525">
                     <a:solidFill>
                       <a:srgbClr val="000000"/>
                     </a:solidFill>
@@ -12092,7 +12092,7 @@
               </a:ln>
               <a:extLst>
                 <a:ext uri="{91240B29-F687-4f45-9708-019B960494DF}">
-                  <a14:hiddenLine xmlns:a14="http://schemas.microsoft.com/office/drawing/2010/main" xmlns="" w="9525">
+                  <a14:hiddenLine xmlns="" xmlns:a14="http://schemas.microsoft.com/office/drawing/2010/main" w="9525">
                     <a:solidFill>
                       <a:srgbClr val="000000"/>
                     </a:solidFill>
@@ -12182,7 +12182,7 @@
               </a:ln>
               <a:extLst>
                 <a:ext uri="{91240B29-F687-4f45-9708-019B960494DF}">
-                  <a14:hiddenLine xmlns:a14="http://schemas.microsoft.com/office/drawing/2010/main" xmlns="" w="9525">
+                  <a14:hiddenLine xmlns="" xmlns:a14="http://schemas.microsoft.com/office/drawing/2010/main" w="9525">
                     <a:solidFill>
                       <a:srgbClr val="000000"/>
                     </a:solidFill>
@@ -12216,7 +12216,7 @@
               </a:ln>
               <a:extLst>
                 <a:ext uri="{91240B29-F687-4f45-9708-019B960494DF}">
-                  <a14:hiddenLine xmlns:a14="http://schemas.microsoft.com/office/drawing/2010/main" xmlns="" w="9525">
+                  <a14:hiddenLine xmlns="" xmlns:a14="http://schemas.microsoft.com/office/drawing/2010/main" w="9525">
                     <a:solidFill>
                       <a:srgbClr val="000000"/>
                     </a:solidFill>
@@ -13354,8 +13354,26 @@
           <a:p>
             <a:r>
               <a:rPr lang="en-US" dirty="0"/>
-              <a:t>Email:  zero2heroseries@gmail.com</a:t>
-            </a:r>
+              <a:t>Email:  </a:t>
+            </a:r>
+            <a:r>
+              <a:rPr lang="en-US" dirty="0">
+                <a:hlinkClick r:id="rId2"/>
+              </a:rPr>
+              <a:t>zero2heroseries@gmail.com</a:t>
+            </a:r>
+            <a:endParaRPr lang="en-US" dirty="0"/>
+          </a:p>
+          <a:p>
+            <a:r>
+              <a:rPr lang="en-US" dirty="0"/>
+              <a:t>Please leave any comments </a:t>
+            </a:r>
+            <a:r>
+              <a:rPr lang="en-US"/>
+              <a:t>or suggestions</a:t>
+            </a:r>
+            <a:endParaRPr lang="en-US" dirty="0"/>
           </a:p>
           <a:p>
             <a:endParaRPr lang="en-US" dirty="0"/>

--- a/docker swarm setup.pptx
+++ b/docker swarm setup.pptx
@@ -202,7 +202,7 @@
           <a:p>
             <a:fld id="{5C0A3DE4-1DCA-4304-88D4-B3009782D46A}" type="datetimeFigureOut">
               <a:rPr lang="en-US" smtClean="0"/>
-              <a:t>3/4/2018</a:t>
+              <a:t>3/13/2018</a:t>
             </a:fld>
             <a:endParaRPr lang="en-US"/>
           </a:p>
@@ -519,7 +519,7 @@
           <a:noFill/>
           <a:extLst>
             <a:ext uri="{909E8E84-426E-40dd-AFC4-6F175D3DCCD1}">
-              <a14:hiddenFill xmlns="" xmlns:a14="http://schemas.microsoft.com/office/drawing/2010/main">
+              <a14:hiddenFill xmlns:a14="http://schemas.microsoft.com/office/drawing/2010/main" xmlns="">
                 <a:solidFill>
                   <a:srgbClr val="FFFFFF"/>
                 </a:solidFill>
@@ -579,7 +579,7 @@
             </a:ln>
             <a:extLst>
               <a:ext uri="{91240B29-F687-4f45-9708-019B960494DF}">
-                <a14:hiddenLine xmlns="" xmlns:a14="http://schemas.microsoft.com/office/drawing/2010/main" w="9525">
+                <a14:hiddenLine xmlns:a14="http://schemas.microsoft.com/office/drawing/2010/main" xmlns="" w="9525">
                   <a:solidFill>
                     <a:srgbClr val="000000"/>
                   </a:solidFill>
@@ -669,7 +669,7 @@
             </a:ln>
             <a:extLst>
               <a:ext uri="{91240B29-F687-4f45-9708-019B960494DF}">
-                <a14:hiddenLine xmlns="" xmlns:a14="http://schemas.microsoft.com/office/drawing/2010/main" w="9525">
+                <a14:hiddenLine xmlns:a14="http://schemas.microsoft.com/office/drawing/2010/main" xmlns="" w="9525">
                   <a:solidFill>
                     <a:srgbClr val="000000"/>
                   </a:solidFill>
@@ -759,7 +759,7 @@
             </a:ln>
             <a:extLst>
               <a:ext uri="{91240B29-F687-4f45-9708-019B960494DF}">
-                <a14:hiddenLine xmlns="" xmlns:a14="http://schemas.microsoft.com/office/drawing/2010/main" w="9525">
+                <a14:hiddenLine xmlns:a14="http://schemas.microsoft.com/office/drawing/2010/main" xmlns="" w="9525">
                   <a:solidFill>
                     <a:srgbClr val="000000"/>
                   </a:solidFill>
@@ -793,7 +793,7 @@
             </a:ln>
             <a:extLst>
               <a:ext uri="{91240B29-F687-4f45-9708-019B960494DF}">
-                <a14:hiddenLine xmlns="" xmlns:a14="http://schemas.microsoft.com/office/drawing/2010/main" w="9525">
+                <a14:hiddenLine xmlns:a14="http://schemas.microsoft.com/office/drawing/2010/main" xmlns="" w="9525">
                   <a:solidFill>
                     <a:srgbClr val="000000"/>
                   </a:solidFill>
@@ -883,7 +883,7 @@
             </a:ln>
             <a:extLst>
               <a:ext uri="{91240B29-F687-4f45-9708-019B960494DF}">
-                <a14:hiddenLine xmlns="" xmlns:a14="http://schemas.microsoft.com/office/drawing/2010/main" w="9525">
+                <a14:hiddenLine xmlns:a14="http://schemas.microsoft.com/office/drawing/2010/main" xmlns="" w="9525">
                   <a:solidFill>
                     <a:srgbClr val="000000"/>
                   </a:solidFill>
@@ -945,7 +945,7 @@
             </a:ln>
             <a:extLst>
               <a:ext uri="{91240B29-F687-4f45-9708-019B960494DF}">
-                <a14:hiddenLine xmlns="" xmlns:a14="http://schemas.microsoft.com/office/drawing/2010/main" w="9525">
+                <a14:hiddenLine xmlns:a14="http://schemas.microsoft.com/office/drawing/2010/main" xmlns="" w="9525">
                   <a:solidFill>
                     <a:srgbClr val="000000"/>
                   </a:solidFill>
@@ -1007,7 +1007,7 @@
             </a:ln>
             <a:extLst>
               <a:ext uri="{91240B29-F687-4f45-9708-019B960494DF}">
-                <a14:hiddenLine xmlns="" xmlns:a14="http://schemas.microsoft.com/office/drawing/2010/main" w="9525">
+                <a14:hiddenLine xmlns:a14="http://schemas.microsoft.com/office/drawing/2010/main" xmlns="" w="9525">
                   <a:solidFill>
                     <a:srgbClr val="000000"/>
                   </a:solidFill>
@@ -1097,7 +1097,7 @@
             </a:ln>
             <a:extLst>
               <a:ext uri="{91240B29-F687-4f45-9708-019B960494DF}">
-                <a14:hiddenLine xmlns="" xmlns:a14="http://schemas.microsoft.com/office/drawing/2010/main" w="9525">
+                <a14:hiddenLine xmlns:a14="http://schemas.microsoft.com/office/drawing/2010/main" xmlns="" w="9525">
                   <a:solidFill>
                     <a:srgbClr val="000000"/>
                   </a:solidFill>
@@ -1159,7 +1159,7 @@
             </a:ln>
             <a:extLst>
               <a:ext uri="{91240B29-F687-4f45-9708-019B960494DF}">
-                <a14:hiddenLine xmlns="" xmlns:a14="http://schemas.microsoft.com/office/drawing/2010/main" w="9525">
+                <a14:hiddenLine xmlns:a14="http://schemas.microsoft.com/office/drawing/2010/main" xmlns="" w="9525">
                   <a:solidFill>
                     <a:srgbClr val="000000"/>
                   </a:solidFill>
@@ -1221,7 +1221,7 @@
             </a:ln>
             <a:extLst>
               <a:ext uri="{91240B29-F687-4f45-9708-019B960494DF}">
-                <a14:hiddenLine xmlns="" xmlns:a14="http://schemas.microsoft.com/office/drawing/2010/main" w="9525">
+                <a14:hiddenLine xmlns:a14="http://schemas.microsoft.com/office/drawing/2010/main" xmlns="" w="9525">
                   <a:solidFill>
                     <a:srgbClr val="000000"/>
                   </a:solidFill>
@@ -1311,7 +1311,7 @@
             </a:ln>
             <a:extLst>
               <a:ext uri="{91240B29-F687-4f45-9708-019B960494DF}">
-                <a14:hiddenLine xmlns="" xmlns:a14="http://schemas.microsoft.com/office/drawing/2010/main" w="9525">
+                <a14:hiddenLine xmlns:a14="http://schemas.microsoft.com/office/drawing/2010/main" xmlns="" w="9525">
                   <a:solidFill>
                     <a:srgbClr val="000000"/>
                   </a:solidFill>
@@ -1401,7 +1401,7 @@
             </a:ln>
             <a:extLst>
               <a:ext uri="{91240B29-F687-4f45-9708-019B960494DF}">
-                <a14:hiddenLine xmlns="" xmlns:a14="http://schemas.microsoft.com/office/drawing/2010/main" w="9525">
+                <a14:hiddenLine xmlns:a14="http://schemas.microsoft.com/office/drawing/2010/main" xmlns="" w="9525">
                   <a:solidFill>
                     <a:srgbClr val="000000"/>
                   </a:solidFill>
@@ -1463,7 +1463,7 @@
             </a:ln>
             <a:extLst>
               <a:ext uri="{91240B29-F687-4f45-9708-019B960494DF}">
-                <a14:hiddenLine xmlns="" xmlns:a14="http://schemas.microsoft.com/office/drawing/2010/main" w="9525">
+                <a14:hiddenLine xmlns:a14="http://schemas.microsoft.com/office/drawing/2010/main" xmlns="" w="9525">
                   <a:solidFill>
                     <a:srgbClr val="000000"/>
                   </a:solidFill>
@@ -1573,7 +1573,7 @@
             </a:ln>
             <a:extLst>
               <a:ext uri="{91240B29-F687-4f45-9708-019B960494DF}">
-                <a14:hiddenLine xmlns="" xmlns:a14="http://schemas.microsoft.com/office/drawing/2010/main" w="9525">
+                <a14:hiddenLine xmlns:a14="http://schemas.microsoft.com/office/drawing/2010/main" xmlns="" w="9525">
                   <a:solidFill>
                     <a:srgbClr val="000000"/>
                   </a:solidFill>
@@ -1635,7 +1635,7 @@
             </a:ln>
             <a:extLst>
               <a:ext uri="{91240B29-F687-4f45-9708-019B960494DF}">
-                <a14:hiddenLine xmlns="" xmlns:a14="http://schemas.microsoft.com/office/drawing/2010/main" w="9525">
+                <a14:hiddenLine xmlns:a14="http://schemas.microsoft.com/office/drawing/2010/main" xmlns="" w="9525">
                   <a:solidFill>
                     <a:srgbClr val="000000"/>
                   </a:solidFill>
@@ -1725,7 +1725,7 @@
             </a:ln>
             <a:extLst>
               <a:ext uri="{91240B29-F687-4f45-9708-019B960494DF}">
-                <a14:hiddenLine xmlns="" xmlns:a14="http://schemas.microsoft.com/office/drawing/2010/main" w="9525">
+                <a14:hiddenLine xmlns:a14="http://schemas.microsoft.com/office/drawing/2010/main" xmlns="" w="9525">
                   <a:solidFill>
                     <a:srgbClr val="000000"/>
                   </a:solidFill>
@@ -1815,7 +1815,7 @@
             </a:ln>
             <a:extLst>
               <a:ext uri="{91240B29-F687-4f45-9708-019B960494DF}">
-                <a14:hiddenLine xmlns="" xmlns:a14="http://schemas.microsoft.com/office/drawing/2010/main" w="9525">
+                <a14:hiddenLine xmlns:a14="http://schemas.microsoft.com/office/drawing/2010/main" xmlns="" w="9525">
                   <a:solidFill>
                     <a:srgbClr val="000000"/>
                   </a:solidFill>
@@ -1877,7 +1877,7 @@
             </a:ln>
             <a:extLst>
               <a:ext uri="{91240B29-F687-4f45-9708-019B960494DF}">
-                <a14:hiddenLine xmlns="" xmlns:a14="http://schemas.microsoft.com/office/drawing/2010/main" w="9525">
+                <a14:hiddenLine xmlns:a14="http://schemas.microsoft.com/office/drawing/2010/main" xmlns="" w="9525">
                   <a:solidFill>
                     <a:srgbClr val="000000"/>
                   </a:solidFill>
@@ -1967,7 +1967,7 @@
             </a:ln>
             <a:extLst>
               <a:ext uri="{91240B29-F687-4f45-9708-019B960494DF}">
-                <a14:hiddenLine xmlns="" xmlns:a14="http://schemas.microsoft.com/office/drawing/2010/main" w="9525">
+                <a14:hiddenLine xmlns:a14="http://schemas.microsoft.com/office/drawing/2010/main" xmlns="" w="9525">
                   <a:solidFill>
                     <a:srgbClr val="000000"/>
                   </a:solidFill>
@@ -2057,7 +2057,7 @@
             </a:ln>
             <a:extLst>
               <a:ext uri="{91240B29-F687-4f45-9708-019B960494DF}">
-                <a14:hiddenLine xmlns="" xmlns:a14="http://schemas.microsoft.com/office/drawing/2010/main" w="9525">
+                <a14:hiddenLine xmlns:a14="http://schemas.microsoft.com/office/drawing/2010/main" xmlns="" w="9525">
                   <a:solidFill>
                     <a:srgbClr val="000000"/>
                   </a:solidFill>
@@ -2113,7 +2113,7 @@
             </a:ln>
             <a:extLst>
               <a:ext uri="{91240B29-F687-4f45-9708-019B960494DF}">
-                <a14:hiddenLine xmlns="" xmlns:a14="http://schemas.microsoft.com/office/drawing/2010/main" w="9525">
+                <a14:hiddenLine xmlns:a14="http://schemas.microsoft.com/office/drawing/2010/main" xmlns="" w="9525">
                   <a:solidFill>
                     <a:srgbClr val="000000"/>
                   </a:solidFill>
@@ -2203,7 +2203,7 @@
             </a:ln>
             <a:extLst>
               <a:ext uri="{91240B29-F687-4f45-9708-019B960494DF}">
-                <a14:hiddenLine xmlns="" xmlns:a14="http://schemas.microsoft.com/office/drawing/2010/main" w="9525">
+                <a14:hiddenLine xmlns:a14="http://schemas.microsoft.com/office/drawing/2010/main" xmlns="" w="9525">
                   <a:solidFill>
                     <a:srgbClr val="000000"/>
                   </a:solidFill>
@@ -2259,7 +2259,7 @@
             </a:ln>
             <a:extLst>
               <a:ext uri="{91240B29-F687-4f45-9708-019B960494DF}">
-                <a14:hiddenLine xmlns="" xmlns:a14="http://schemas.microsoft.com/office/drawing/2010/main" w="9525">
+                <a14:hiddenLine xmlns:a14="http://schemas.microsoft.com/office/drawing/2010/main" xmlns="" w="9525">
                   <a:solidFill>
                     <a:srgbClr val="000000"/>
                   </a:solidFill>
@@ -2349,7 +2349,7 @@
             </a:ln>
             <a:extLst>
               <a:ext uri="{91240B29-F687-4f45-9708-019B960494DF}">
-                <a14:hiddenLine xmlns="" xmlns:a14="http://schemas.microsoft.com/office/drawing/2010/main" w="9525">
+                <a14:hiddenLine xmlns:a14="http://schemas.microsoft.com/office/drawing/2010/main" xmlns="" w="9525">
                   <a:solidFill>
                     <a:srgbClr val="000000"/>
                   </a:solidFill>
@@ -2417,7 +2417,7 @@
             </a:ln>
             <a:extLst>
               <a:ext uri="{91240B29-F687-4f45-9708-019B960494DF}">
-                <a14:hiddenLine xmlns="" xmlns:a14="http://schemas.microsoft.com/office/drawing/2010/main" w="9525">
+                <a14:hiddenLine xmlns:a14="http://schemas.microsoft.com/office/drawing/2010/main" xmlns="" w="9525">
                   <a:solidFill>
                     <a:srgbClr val="000000"/>
                   </a:solidFill>
@@ -2507,7 +2507,7 @@
             </a:ln>
             <a:extLst>
               <a:ext uri="{91240B29-F687-4f45-9708-019B960494DF}">
-                <a14:hiddenLine xmlns="" xmlns:a14="http://schemas.microsoft.com/office/drawing/2010/main" w="9525">
+                <a14:hiddenLine xmlns:a14="http://schemas.microsoft.com/office/drawing/2010/main" xmlns="" w="9525">
                   <a:solidFill>
                     <a:srgbClr val="000000"/>
                   </a:solidFill>
@@ -2575,7 +2575,7 @@
             </a:ln>
             <a:extLst>
               <a:ext uri="{91240B29-F687-4f45-9708-019B960494DF}">
-                <a14:hiddenLine xmlns="" xmlns:a14="http://schemas.microsoft.com/office/drawing/2010/main" w="9525">
+                <a14:hiddenLine xmlns:a14="http://schemas.microsoft.com/office/drawing/2010/main" xmlns="" w="9525">
                   <a:solidFill>
                     <a:srgbClr val="000000"/>
                   </a:solidFill>
@@ -2665,7 +2665,7 @@
             </a:ln>
             <a:extLst>
               <a:ext uri="{91240B29-F687-4f45-9708-019B960494DF}">
-                <a14:hiddenLine xmlns="" xmlns:a14="http://schemas.microsoft.com/office/drawing/2010/main" w="9525">
+                <a14:hiddenLine xmlns:a14="http://schemas.microsoft.com/office/drawing/2010/main" xmlns="" w="9525">
                   <a:solidFill>
                     <a:srgbClr val="000000"/>
                   </a:solidFill>
@@ -2699,7 +2699,7 @@
             </a:ln>
             <a:extLst>
               <a:ext uri="{91240B29-F687-4f45-9708-019B960494DF}">
-                <a14:hiddenLine xmlns="" xmlns:a14="http://schemas.microsoft.com/office/drawing/2010/main" w="9525">
+                <a14:hiddenLine xmlns:a14="http://schemas.microsoft.com/office/drawing/2010/main" xmlns="" w="9525">
                   <a:solidFill>
                     <a:srgbClr val="000000"/>
                   </a:solidFill>
@@ -2789,7 +2789,7 @@
             </a:ln>
             <a:extLst>
               <a:ext uri="{91240B29-F687-4f45-9708-019B960494DF}">
-                <a14:hiddenLine xmlns="" xmlns:a14="http://schemas.microsoft.com/office/drawing/2010/main" w="9525">
+                <a14:hiddenLine xmlns:a14="http://schemas.microsoft.com/office/drawing/2010/main" xmlns="" w="9525">
                   <a:solidFill>
                     <a:srgbClr val="000000"/>
                   </a:solidFill>
@@ -2851,7 +2851,7 @@
             </a:ln>
             <a:extLst>
               <a:ext uri="{91240B29-F687-4f45-9708-019B960494DF}">
-                <a14:hiddenLine xmlns="" xmlns:a14="http://schemas.microsoft.com/office/drawing/2010/main" w="9525">
+                <a14:hiddenLine xmlns:a14="http://schemas.microsoft.com/office/drawing/2010/main" xmlns="" w="9525">
                   <a:solidFill>
                     <a:srgbClr val="000000"/>
                   </a:solidFill>
@@ -2913,7 +2913,7 @@
             </a:ln>
             <a:extLst>
               <a:ext uri="{91240B29-F687-4f45-9708-019B960494DF}">
-                <a14:hiddenLine xmlns="" xmlns:a14="http://schemas.microsoft.com/office/drawing/2010/main" w="9525">
+                <a14:hiddenLine xmlns:a14="http://schemas.microsoft.com/office/drawing/2010/main" xmlns="" w="9525">
                   <a:solidFill>
                     <a:srgbClr val="000000"/>
                   </a:solidFill>
@@ -3003,7 +3003,7 @@
             </a:ln>
             <a:extLst>
               <a:ext uri="{91240B29-F687-4f45-9708-019B960494DF}">
-                <a14:hiddenLine xmlns="" xmlns:a14="http://schemas.microsoft.com/office/drawing/2010/main" w="9525">
+                <a14:hiddenLine xmlns:a14="http://schemas.microsoft.com/office/drawing/2010/main" xmlns="" w="9525">
                   <a:solidFill>
                     <a:srgbClr val="000000"/>
                   </a:solidFill>
@@ -3071,7 +3071,7 @@
             </a:ln>
             <a:extLst>
               <a:ext uri="{91240B29-F687-4f45-9708-019B960494DF}">
-                <a14:hiddenLine xmlns="" xmlns:a14="http://schemas.microsoft.com/office/drawing/2010/main" w="9525">
+                <a14:hiddenLine xmlns:a14="http://schemas.microsoft.com/office/drawing/2010/main" xmlns="" w="9525">
                   <a:solidFill>
                     <a:srgbClr val="000000"/>
                   </a:solidFill>
@@ -3133,7 +3133,7 @@
             </a:ln>
             <a:extLst>
               <a:ext uri="{91240B29-F687-4f45-9708-019B960494DF}">
-                <a14:hiddenLine xmlns="" xmlns:a14="http://schemas.microsoft.com/office/drawing/2010/main" w="9525">
+                <a14:hiddenLine xmlns:a14="http://schemas.microsoft.com/office/drawing/2010/main" xmlns="" w="9525">
                   <a:solidFill>
                     <a:srgbClr val="000000"/>
                   </a:solidFill>
@@ -3223,7 +3223,7 @@
             </a:ln>
             <a:extLst>
               <a:ext uri="{91240B29-F687-4f45-9708-019B960494DF}">
-                <a14:hiddenLine xmlns="" xmlns:a14="http://schemas.microsoft.com/office/drawing/2010/main" w="9525">
+                <a14:hiddenLine xmlns:a14="http://schemas.microsoft.com/office/drawing/2010/main" xmlns="" w="9525">
                   <a:solidFill>
                     <a:srgbClr val="000000"/>
                   </a:solidFill>
@@ -3285,7 +3285,7 @@
             </a:ln>
             <a:extLst>
               <a:ext uri="{91240B29-F687-4f45-9708-019B960494DF}">
-                <a14:hiddenLine xmlns="" xmlns:a14="http://schemas.microsoft.com/office/drawing/2010/main" w="9525">
+                <a14:hiddenLine xmlns:a14="http://schemas.microsoft.com/office/drawing/2010/main" xmlns="" w="9525">
                   <a:solidFill>
                     <a:srgbClr val="000000"/>
                   </a:solidFill>
@@ -3375,7 +3375,7 @@
             </a:ln>
             <a:extLst>
               <a:ext uri="{91240B29-F687-4f45-9708-019B960494DF}">
-                <a14:hiddenLine xmlns="" xmlns:a14="http://schemas.microsoft.com/office/drawing/2010/main" w="9525">
+                <a14:hiddenLine xmlns:a14="http://schemas.microsoft.com/office/drawing/2010/main" xmlns="" w="9525">
                   <a:solidFill>
                     <a:srgbClr val="000000"/>
                   </a:solidFill>
@@ -3437,7 +3437,7 @@
             </a:ln>
             <a:extLst>
               <a:ext uri="{91240B29-F687-4f45-9708-019B960494DF}">
-                <a14:hiddenLine xmlns="" xmlns:a14="http://schemas.microsoft.com/office/drawing/2010/main" w="9525">
+                <a14:hiddenLine xmlns:a14="http://schemas.microsoft.com/office/drawing/2010/main" xmlns="" w="9525">
                   <a:solidFill>
                     <a:srgbClr val="000000"/>
                   </a:solidFill>
@@ -3527,7 +3527,7 @@
             </a:ln>
             <a:extLst>
               <a:ext uri="{91240B29-F687-4f45-9708-019B960494DF}">
-                <a14:hiddenLine xmlns="" xmlns:a14="http://schemas.microsoft.com/office/drawing/2010/main" w="9525">
+                <a14:hiddenLine xmlns:a14="http://schemas.microsoft.com/office/drawing/2010/main" xmlns="" w="9525">
                   <a:solidFill>
                     <a:srgbClr val="000000"/>
                   </a:solidFill>
@@ -3561,7 +3561,7 @@
             </a:ln>
             <a:extLst>
               <a:ext uri="{91240B29-F687-4f45-9708-019B960494DF}">
-                <a14:hiddenLine xmlns="" xmlns:a14="http://schemas.microsoft.com/office/drawing/2010/main" w="9525">
+                <a14:hiddenLine xmlns:a14="http://schemas.microsoft.com/office/drawing/2010/main" xmlns="" w="9525">
                   <a:solidFill>
                     <a:srgbClr val="000000"/>
                   </a:solidFill>
@@ -3626,7 +3626,7 @@
             </a:ln>
             <a:extLst>
               <a:ext uri="{91240B29-F687-4f45-9708-019B960494DF}">
-                <a14:hiddenLine xmlns="" xmlns:a14="http://schemas.microsoft.com/office/drawing/2010/main" w="9525">
+                <a14:hiddenLine xmlns:a14="http://schemas.microsoft.com/office/drawing/2010/main" xmlns="" w="9525">
                   <a:solidFill>
                     <a:srgbClr val="000000"/>
                   </a:solidFill>
@@ -3716,7 +3716,7 @@
             </a:ln>
             <a:extLst>
               <a:ext uri="{91240B29-F687-4f45-9708-019B960494DF}">
-                <a14:hiddenLine xmlns="" xmlns:a14="http://schemas.microsoft.com/office/drawing/2010/main" w="9525">
+                <a14:hiddenLine xmlns:a14="http://schemas.microsoft.com/office/drawing/2010/main" xmlns="" w="9525">
                   <a:solidFill>
                     <a:srgbClr val="000000"/>
                   </a:solidFill>
@@ -3778,7 +3778,7 @@
             </a:ln>
             <a:extLst>
               <a:ext uri="{91240B29-F687-4f45-9708-019B960494DF}">
-                <a14:hiddenLine xmlns="" xmlns:a14="http://schemas.microsoft.com/office/drawing/2010/main" w="9525">
+                <a14:hiddenLine xmlns:a14="http://schemas.microsoft.com/office/drawing/2010/main" xmlns="" w="9525">
                   <a:solidFill>
                     <a:srgbClr val="000000"/>
                   </a:solidFill>
@@ -3868,7 +3868,7 @@
             </a:ln>
             <a:extLst>
               <a:ext uri="{91240B29-F687-4f45-9708-019B960494DF}">
-                <a14:hiddenLine xmlns="" xmlns:a14="http://schemas.microsoft.com/office/drawing/2010/main" w="9525">
+                <a14:hiddenLine xmlns:a14="http://schemas.microsoft.com/office/drawing/2010/main" xmlns="" w="9525">
                   <a:solidFill>
                     <a:srgbClr val="000000"/>
                   </a:solidFill>
@@ -3958,7 +3958,7 @@
             </a:ln>
             <a:extLst>
               <a:ext uri="{91240B29-F687-4f45-9708-019B960494DF}">
-                <a14:hiddenLine xmlns="" xmlns:a14="http://schemas.microsoft.com/office/drawing/2010/main" w="9525">
+                <a14:hiddenLine xmlns:a14="http://schemas.microsoft.com/office/drawing/2010/main" xmlns="" w="9525">
                   <a:solidFill>
                     <a:srgbClr val="000000"/>
                   </a:solidFill>
@@ -4023,7 +4023,7 @@
             </a:ln>
             <a:extLst>
               <a:ext uri="{91240B29-F687-4f45-9708-019B960494DF}">
-                <a14:hiddenLine xmlns="" xmlns:a14="http://schemas.microsoft.com/office/drawing/2010/main" w="9525">
+                <a14:hiddenLine xmlns:a14="http://schemas.microsoft.com/office/drawing/2010/main" xmlns="" w="9525">
                   <a:solidFill>
                     <a:srgbClr val="000000"/>
                   </a:solidFill>
@@ -4085,7 +4085,7 @@
             </a:ln>
             <a:extLst>
               <a:ext uri="{91240B29-F687-4f45-9708-019B960494DF}">
-                <a14:hiddenLine xmlns="" xmlns:a14="http://schemas.microsoft.com/office/drawing/2010/main" w="9525">
+                <a14:hiddenLine xmlns:a14="http://schemas.microsoft.com/office/drawing/2010/main" xmlns="" w="9525">
                   <a:solidFill>
                     <a:srgbClr val="000000"/>
                   </a:solidFill>
@@ -4175,7 +4175,7 @@
             </a:ln>
             <a:extLst>
               <a:ext uri="{91240B29-F687-4f45-9708-019B960494DF}">
-                <a14:hiddenLine xmlns="" xmlns:a14="http://schemas.microsoft.com/office/drawing/2010/main" w="9525">
+                <a14:hiddenLine xmlns:a14="http://schemas.microsoft.com/office/drawing/2010/main" xmlns="" w="9525">
                   <a:solidFill>
                     <a:srgbClr val="000000"/>
                   </a:solidFill>
@@ -4265,7 +4265,7 @@
             </a:ln>
             <a:extLst>
               <a:ext uri="{91240B29-F687-4f45-9708-019B960494DF}">
-                <a14:hiddenLine xmlns="" xmlns:a14="http://schemas.microsoft.com/office/drawing/2010/main" w="9525">
+                <a14:hiddenLine xmlns:a14="http://schemas.microsoft.com/office/drawing/2010/main" xmlns="" w="9525">
                   <a:solidFill>
                     <a:srgbClr val="000000"/>
                   </a:solidFill>
@@ -4327,7 +4327,7 @@
             </a:ln>
             <a:extLst>
               <a:ext uri="{91240B29-F687-4f45-9708-019B960494DF}">
-                <a14:hiddenLine xmlns="" xmlns:a14="http://schemas.microsoft.com/office/drawing/2010/main" w="9525">
+                <a14:hiddenLine xmlns:a14="http://schemas.microsoft.com/office/drawing/2010/main" xmlns="" w="9525">
                   <a:solidFill>
                     <a:srgbClr val="000000"/>
                   </a:solidFill>
@@ -4447,7 +4447,7 @@
             </a:ln>
             <a:extLst>
               <a:ext uri="{91240B29-F687-4f45-9708-019B960494DF}">
-                <a14:hiddenLine xmlns="" xmlns:a14="http://schemas.microsoft.com/office/drawing/2010/main" w="9525">
+                <a14:hiddenLine xmlns:a14="http://schemas.microsoft.com/office/drawing/2010/main" xmlns="" w="9525">
                   <a:solidFill>
                     <a:srgbClr val="000000"/>
                   </a:solidFill>
@@ -4515,7 +4515,7 @@
             </a:ln>
             <a:extLst>
               <a:ext uri="{91240B29-F687-4f45-9708-019B960494DF}">
-                <a14:hiddenLine xmlns="" xmlns:a14="http://schemas.microsoft.com/office/drawing/2010/main" w="9525">
+                <a14:hiddenLine xmlns:a14="http://schemas.microsoft.com/office/drawing/2010/main" xmlns="" w="9525">
                   <a:solidFill>
                     <a:srgbClr val="000000"/>
                   </a:solidFill>
@@ -4605,7 +4605,7 @@
             </a:ln>
             <a:extLst>
               <a:ext uri="{91240B29-F687-4f45-9708-019B960494DF}">
-                <a14:hiddenLine xmlns="" xmlns:a14="http://schemas.microsoft.com/office/drawing/2010/main" w="9525">
+                <a14:hiddenLine xmlns:a14="http://schemas.microsoft.com/office/drawing/2010/main" xmlns="" w="9525">
                   <a:solidFill>
                     <a:srgbClr val="000000"/>
                   </a:solidFill>
@@ -4745,7 +4745,7 @@
           <a:p>
             <a:fld id="{4D4734BE-9FBB-4506-A87F-65060AF6A76B}" type="datetime1">
               <a:rPr lang="en-US" smtClean="0"/>
-              <a:t>3/4/2018</a:t>
+              <a:t>3/13/2018</a:t>
             </a:fld>
             <a:endParaRPr lang="en-US" dirty="0"/>
           </a:p>
@@ -5011,7 +5011,7 @@
           <a:p>
             <a:fld id="{B2593822-A210-417F-B97E-E02C828AA16F}" type="datetime1">
               <a:rPr lang="en-US" smtClean="0"/>
-              <a:t>3/4/2018</a:t>
+              <a:t>3/13/2018</a:t>
             </a:fld>
             <a:endParaRPr lang="en-US" dirty="0"/>
           </a:p>
@@ -5206,7 +5206,7 @@
           <a:p>
             <a:fld id="{1E4AE547-299B-41A4-8FD6-8CAB64F4F5DC}" type="datetime1">
               <a:rPr lang="en-US" smtClean="0"/>
-              <a:t>3/4/2018</a:t>
+              <a:t>3/13/2018</a:t>
             </a:fld>
             <a:endParaRPr lang="en-US" dirty="0"/>
           </a:p>
@@ -5468,7 +5468,7 @@
           <a:p>
             <a:fld id="{15CD4142-FAC2-4D84-A924-C8EB5BB1D044}" type="datetime1">
               <a:rPr lang="en-US" smtClean="0"/>
-              <a:t>3/4/2018</a:t>
+              <a:t>3/13/2018</a:t>
             </a:fld>
             <a:endParaRPr lang="en-US" dirty="0"/>
           </a:p>
@@ -5901,7 +5901,7 @@
           <a:p>
             <a:fld id="{D5164D38-3011-4611-85A3-5DAEA1209EF8}" type="datetime1">
               <a:rPr lang="en-US" smtClean="0"/>
-              <a:t>3/4/2018</a:t>
+              <a:t>3/13/2018</a:t>
             </a:fld>
             <a:endParaRPr lang="en-US" dirty="0"/>
           </a:p>
@@ -6446,7 +6446,7 @@
           <a:p>
             <a:fld id="{F64FA5B8-CAC8-4560-86C8-B344B9A18268}" type="datetime1">
               <a:rPr lang="en-US" smtClean="0"/>
-              <a:t>3/4/2018</a:t>
+              <a:t>3/13/2018</a:t>
             </a:fld>
             <a:endParaRPr lang="en-US" dirty="0"/>
           </a:p>
@@ -7165,7 +7165,7 @@
           <a:p>
             <a:fld id="{237781F6-28C0-494E-B726-D60E7740D976}" type="datetime1">
               <a:rPr lang="en-US" smtClean="0"/>
-              <a:t>3/4/2018</a:t>
+              <a:t>3/13/2018</a:t>
             </a:fld>
             <a:endParaRPr lang="en-US" dirty="0"/>
           </a:p>
@@ -7334,7 +7334,7 @@
           <a:p>
             <a:fld id="{9358B187-A258-4D8B-A5DC-79D41EC93B05}" type="datetime1">
               <a:rPr lang="en-US" smtClean="0"/>
-              <a:t>3/4/2018</a:t>
+              <a:t>3/13/2018</a:t>
             </a:fld>
             <a:endParaRPr lang="en-US" dirty="0"/>
           </a:p>
@@ -7513,7 +7513,7 @@
           <a:p>
             <a:fld id="{6782D587-BB10-46BD-912C-1BF0F60F3010}" type="datetime1">
               <a:rPr lang="en-US" smtClean="0"/>
-              <a:t>3/4/2018</a:t>
+              <a:t>3/13/2018</a:t>
             </a:fld>
             <a:endParaRPr lang="en-US" dirty="0"/>
           </a:p>
@@ -7682,7 +7682,7 @@
           <a:p>
             <a:fld id="{08801039-C855-4CA2-8C46-AE0210DED7F8}" type="datetime1">
               <a:rPr lang="en-US" smtClean="0"/>
-              <a:t>3/4/2018</a:t>
+              <a:t>3/13/2018</a:t>
             </a:fld>
             <a:endParaRPr lang="en-US" dirty="0"/>
           </a:p>
@@ -7931,7 +7931,7 @@
           <a:p>
             <a:fld id="{02D03E1E-0F75-45D9-B436-C5D0DF4EA3FA}" type="datetime1">
               <a:rPr lang="en-US" smtClean="0"/>
-              <a:t>3/4/2018</a:t>
+              <a:t>3/13/2018</a:t>
             </a:fld>
             <a:endParaRPr lang="en-US" dirty="0"/>
           </a:p>
@@ -8162,7 +8162,7 @@
           <a:p>
             <a:fld id="{38A8961B-8389-47E6-9E28-02F3F4F5A3FD}" type="datetime1">
               <a:rPr lang="en-US" smtClean="0"/>
-              <a:t>3/4/2018</a:t>
+              <a:t>3/13/2018</a:t>
             </a:fld>
             <a:endParaRPr lang="en-US" dirty="0"/>
           </a:p>
@@ -8542,7 +8542,7 @@
           <a:p>
             <a:fld id="{655B8C07-0E21-48BA-B386-B26BD426DF71}" type="datetime1">
               <a:rPr lang="en-US" smtClean="0"/>
-              <a:t>3/4/2018</a:t>
+              <a:t>3/13/2018</a:t>
             </a:fld>
             <a:endParaRPr lang="en-US" dirty="0"/>
           </a:p>
@@ -8659,7 +8659,7 @@
           <a:p>
             <a:fld id="{77DBFCBA-8BBB-4EFA-925A-89345D8382F4}" type="datetime1">
               <a:rPr lang="en-US" smtClean="0"/>
-              <a:t>3/4/2018</a:t>
+              <a:t>3/13/2018</a:t>
             </a:fld>
             <a:endParaRPr lang="en-US" dirty="0"/>
           </a:p>
@@ -8753,7 +8753,7 @@
           <a:p>
             <a:fld id="{50592E78-2A87-4E55-A769-7C8863DB57AC}" type="datetime1">
               <a:rPr lang="en-US" smtClean="0"/>
-              <a:t>3/4/2018</a:t>
+              <a:t>3/13/2018</a:t>
             </a:fld>
             <a:endParaRPr lang="en-US" dirty="0"/>
           </a:p>
@@ -9001,7 +9001,7 @@
           <a:p>
             <a:fld id="{ECE241CE-2655-4222-8A94-7BFD89F32540}" type="datetime1">
               <a:rPr lang="en-US" smtClean="0"/>
-              <a:t>3/4/2018</a:t>
+              <a:t>3/13/2018</a:t>
             </a:fld>
             <a:endParaRPr lang="en-US" dirty="0"/>
           </a:p>
@@ -9280,7 +9280,7 @@
           <a:p>
             <a:fld id="{0C9A11D6-9A2E-4DD5-B085-4A9FA7B43624}" type="datetime1">
               <a:rPr lang="en-US" smtClean="0"/>
-              <a:t>3/4/2018</a:t>
+              <a:t>3/13/2018</a:t>
             </a:fld>
             <a:endParaRPr lang="en-US" dirty="0"/>
           </a:p>
@@ -9395,7 +9395,7 @@
           <a:noFill/>
           <a:extLst>
             <a:ext uri="{909E8E84-426E-40dd-AFC4-6F175D3DCCD1}">
-              <a14:hiddenFill xmlns="" xmlns:a14="http://schemas.microsoft.com/office/drawing/2010/main">
+              <a14:hiddenFill xmlns:a14="http://schemas.microsoft.com/office/drawing/2010/main" xmlns="">
                 <a:solidFill>
                   <a:srgbClr val="FFFFFF"/>
                 </a:solidFill>
@@ -9469,7 +9469,7 @@
               </a:ln>
               <a:extLst>
                 <a:ext uri="{91240B29-F687-4f45-9708-019B960494DF}">
-                  <a14:hiddenLine xmlns="" xmlns:a14="http://schemas.microsoft.com/office/drawing/2010/main" w="9525">
+                  <a14:hiddenLine xmlns:a14="http://schemas.microsoft.com/office/drawing/2010/main" xmlns="" w="9525">
                     <a:solidFill>
                       <a:srgbClr val="000000"/>
                     </a:solidFill>
@@ -9559,7 +9559,7 @@
               </a:ln>
               <a:extLst>
                 <a:ext uri="{91240B29-F687-4f45-9708-019B960494DF}">
-                  <a14:hiddenLine xmlns="" xmlns:a14="http://schemas.microsoft.com/office/drawing/2010/main" w="9525">
+                  <a14:hiddenLine xmlns:a14="http://schemas.microsoft.com/office/drawing/2010/main" xmlns="" w="9525">
                     <a:solidFill>
                       <a:srgbClr val="000000"/>
                     </a:solidFill>
@@ -9649,7 +9649,7 @@
               </a:ln>
               <a:extLst>
                 <a:ext uri="{91240B29-F687-4f45-9708-019B960494DF}">
-                  <a14:hiddenLine xmlns="" xmlns:a14="http://schemas.microsoft.com/office/drawing/2010/main" w="9525">
+                  <a14:hiddenLine xmlns:a14="http://schemas.microsoft.com/office/drawing/2010/main" xmlns="" w="9525">
                     <a:solidFill>
                       <a:srgbClr val="000000"/>
                     </a:solidFill>
@@ -9711,7 +9711,7 @@
               </a:ln>
               <a:extLst>
                 <a:ext uri="{91240B29-F687-4f45-9708-019B960494DF}">
-                  <a14:hiddenLine xmlns="" xmlns:a14="http://schemas.microsoft.com/office/drawing/2010/main" w="9525">
+                  <a14:hiddenLine xmlns:a14="http://schemas.microsoft.com/office/drawing/2010/main" xmlns="" w="9525">
                     <a:solidFill>
                       <a:srgbClr val="000000"/>
                     </a:solidFill>
@@ -9801,7 +9801,7 @@
               </a:ln>
               <a:extLst>
                 <a:ext uri="{91240B29-F687-4f45-9708-019B960494DF}">
-                  <a14:hiddenLine xmlns="" xmlns:a14="http://schemas.microsoft.com/office/drawing/2010/main" w="9525">
+                  <a14:hiddenLine xmlns:a14="http://schemas.microsoft.com/office/drawing/2010/main" xmlns="" w="9525">
                     <a:solidFill>
                       <a:srgbClr val="000000"/>
                     </a:solidFill>
@@ -9863,7 +9863,7 @@
               </a:ln>
               <a:extLst>
                 <a:ext uri="{91240B29-F687-4f45-9708-019B960494DF}">
-                  <a14:hiddenLine xmlns="" xmlns:a14="http://schemas.microsoft.com/office/drawing/2010/main" w="9525">
+                  <a14:hiddenLine xmlns:a14="http://schemas.microsoft.com/office/drawing/2010/main" xmlns="" w="9525">
                     <a:solidFill>
                       <a:srgbClr val="000000"/>
                     </a:solidFill>
@@ -9925,7 +9925,7 @@
               </a:ln>
               <a:extLst>
                 <a:ext uri="{91240B29-F687-4f45-9708-019B960494DF}">
-                  <a14:hiddenLine xmlns="" xmlns:a14="http://schemas.microsoft.com/office/drawing/2010/main" w="9525">
+                  <a14:hiddenLine xmlns:a14="http://schemas.microsoft.com/office/drawing/2010/main" xmlns="" w="9525">
                     <a:solidFill>
                       <a:srgbClr val="000000"/>
                     </a:solidFill>
@@ -10015,7 +10015,7 @@
               </a:ln>
               <a:extLst>
                 <a:ext uri="{91240B29-F687-4f45-9708-019B960494DF}">
-                  <a14:hiddenLine xmlns="" xmlns:a14="http://schemas.microsoft.com/office/drawing/2010/main" w="9525">
+                  <a14:hiddenLine xmlns:a14="http://schemas.microsoft.com/office/drawing/2010/main" xmlns="" w="9525">
                     <a:solidFill>
                       <a:srgbClr val="000000"/>
                     </a:solidFill>
@@ -10105,7 +10105,7 @@
               </a:ln>
               <a:extLst>
                 <a:ext uri="{91240B29-F687-4f45-9708-019B960494DF}">
-                  <a14:hiddenLine xmlns="" xmlns:a14="http://schemas.microsoft.com/office/drawing/2010/main" w="9525">
+                  <a14:hiddenLine xmlns:a14="http://schemas.microsoft.com/office/drawing/2010/main" xmlns="" w="9525">
                     <a:solidFill>
                       <a:srgbClr val="000000"/>
                     </a:solidFill>
@@ -10167,7 +10167,7 @@
               </a:ln>
               <a:extLst>
                 <a:ext uri="{91240B29-F687-4f45-9708-019B960494DF}">
-                  <a14:hiddenLine xmlns="" xmlns:a14="http://schemas.microsoft.com/office/drawing/2010/main" w="9525">
+                  <a14:hiddenLine xmlns:a14="http://schemas.microsoft.com/office/drawing/2010/main" xmlns="" w="9525">
                     <a:solidFill>
                       <a:srgbClr val="000000"/>
                     </a:solidFill>
@@ -10277,7 +10277,7 @@
               </a:ln>
               <a:extLst>
                 <a:ext uri="{91240B29-F687-4f45-9708-019B960494DF}">
-                  <a14:hiddenLine xmlns="" xmlns:a14="http://schemas.microsoft.com/office/drawing/2010/main" w="9525">
+                  <a14:hiddenLine xmlns:a14="http://schemas.microsoft.com/office/drawing/2010/main" xmlns="" w="9525">
                     <a:solidFill>
                       <a:srgbClr val="000000"/>
                     </a:solidFill>
@@ -10361,7 +10361,7 @@
               </a:ln>
               <a:extLst>
                 <a:ext uri="{91240B29-F687-4f45-9708-019B960494DF}">
-                  <a14:hiddenLine xmlns="" xmlns:a14="http://schemas.microsoft.com/office/drawing/2010/main" w="9525">
+                  <a14:hiddenLine xmlns:a14="http://schemas.microsoft.com/office/drawing/2010/main" xmlns="" w="9525">
                     <a:solidFill>
                       <a:srgbClr val="000000"/>
                     </a:solidFill>
@@ -10423,7 +10423,7 @@
               </a:ln>
               <a:extLst>
                 <a:ext uri="{91240B29-F687-4f45-9708-019B960494DF}">
-                  <a14:hiddenLine xmlns="" xmlns:a14="http://schemas.microsoft.com/office/drawing/2010/main" w="9525">
+                  <a14:hiddenLine xmlns:a14="http://schemas.microsoft.com/office/drawing/2010/main" xmlns="" w="9525">
                     <a:solidFill>
                       <a:srgbClr val="000000"/>
                     </a:solidFill>
@@ -10485,7 +10485,7 @@
               </a:ln>
               <a:extLst>
                 <a:ext uri="{91240B29-F687-4f45-9708-019B960494DF}">
-                  <a14:hiddenLine xmlns="" xmlns:a14="http://schemas.microsoft.com/office/drawing/2010/main" w="9525">
+                  <a14:hiddenLine xmlns:a14="http://schemas.microsoft.com/office/drawing/2010/main" xmlns="" w="9525">
                     <a:solidFill>
                       <a:srgbClr val="000000"/>
                     </a:solidFill>
@@ -10575,7 +10575,7 @@
               </a:ln>
               <a:extLst>
                 <a:ext uri="{91240B29-F687-4f45-9708-019B960494DF}">
-                  <a14:hiddenLine xmlns="" xmlns:a14="http://schemas.microsoft.com/office/drawing/2010/main" w="9525">
+                  <a14:hiddenLine xmlns:a14="http://schemas.microsoft.com/office/drawing/2010/main" xmlns="" w="9525">
                     <a:solidFill>
                       <a:srgbClr val="000000"/>
                     </a:solidFill>
@@ -10609,7 +10609,7 @@
               </a:ln>
               <a:extLst>
                 <a:ext uri="{91240B29-F687-4f45-9708-019B960494DF}">
-                  <a14:hiddenLine xmlns="" xmlns:a14="http://schemas.microsoft.com/office/drawing/2010/main" w="9525">
+                  <a14:hiddenLine xmlns:a14="http://schemas.microsoft.com/office/drawing/2010/main" xmlns="" w="9525">
                     <a:solidFill>
                       <a:srgbClr val="000000"/>
                     </a:solidFill>
@@ -10674,7 +10674,7 @@
               </a:ln>
               <a:extLst>
                 <a:ext uri="{91240B29-F687-4f45-9708-019B960494DF}">
-                  <a14:hiddenLine xmlns="" xmlns:a14="http://schemas.microsoft.com/office/drawing/2010/main" w="9525">
+                  <a14:hiddenLine xmlns:a14="http://schemas.microsoft.com/office/drawing/2010/main" xmlns="" w="9525">
                     <a:solidFill>
                       <a:srgbClr val="000000"/>
                     </a:solidFill>
@@ -10764,7 +10764,7 @@
               </a:ln>
               <a:extLst>
                 <a:ext uri="{91240B29-F687-4f45-9708-019B960494DF}">
-                  <a14:hiddenLine xmlns="" xmlns:a14="http://schemas.microsoft.com/office/drawing/2010/main" w="9525">
+                  <a14:hiddenLine xmlns:a14="http://schemas.microsoft.com/office/drawing/2010/main" xmlns="" w="9525">
                     <a:solidFill>
                       <a:srgbClr val="000000"/>
                     </a:solidFill>
@@ -10826,7 +10826,7 @@
               </a:ln>
               <a:extLst>
                 <a:ext uri="{91240B29-F687-4f45-9708-019B960494DF}">
-                  <a14:hiddenLine xmlns="" xmlns:a14="http://schemas.microsoft.com/office/drawing/2010/main" w="9525">
+                  <a14:hiddenLine xmlns:a14="http://schemas.microsoft.com/office/drawing/2010/main" xmlns="" w="9525">
                     <a:solidFill>
                       <a:srgbClr val="000000"/>
                     </a:solidFill>
@@ -10916,7 +10916,7 @@
               </a:ln>
               <a:extLst>
                 <a:ext uri="{91240B29-F687-4f45-9708-019B960494DF}">
-                  <a14:hiddenLine xmlns="" xmlns:a14="http://schemas.microsoft.com/office/drawing/2010/main" w="9525">
+                  <a14:hiddenLine xmlns:a14="http://schemas.microsoft.com/office/drawing/2010/main" xmlns="" w="9525">
                     <a:solidFill>
                       <a:srgbClr val="000000"/>
                     </a:solidFill>
@@ -10981,7 +10981,7 @@
               </a:ln>
               <a:extLst>
                 <a:ext uri="{91240B29-F687-4f45-9708-019B960494DF}">
-                  <a14:hiddenLine xmlns="" xmlns:a14="http://schemas.microsoft.com/office/drawing/2010/main" w="9525">
+                  <a14:hiddenLine xmlns:a14="http://schemas.microsoft.com/office/drawing/2010/main" xmlns="" w="9525">
                     <a:solidFill>
                       <a:srgbClr val="000000"/>
                     </a:solidFill>
@@ -11043,7 +11043,7 @@
               </a:ln>
               <a:extLst>
                 <a:ext uri="{91240B29-F687-4f45-9708-019B960494DF}">
-                  <a14:hiddenLine xmlns="" xmlns:a14="http://schemas.microsoft.com/office/drawing/2010/main" w="9525">
+                  <a14:hiddenLine xmlns:a14="http://schemas.microsoft.com/office/drawing/2010/main" xmlns="" w="9525">
                     <a:solidFill>
                       <a:srgbClr val="000000"/>
                     </a:solidFill>
@@ -11133,7 +11133,7 @@
               </a:ln>
               <a:extLst>
                 <a:ext uri="{91240B29-F687-4f45-9708-019B960494DF}">
-                  <a14:hiddenLine xmlns="" xmlns:a14="http://schemas.microsoft.com/office/drawing/2010/main" w="9525">
+                  <a14:hiddenLine xmlns:a14="http://schemas.microsoft.com/office/drawing/2010/main" xmlns="" w="9525">
                     <a:solidFill>
                       <a:srgbClr val="000000"/>
                     </a:solidFill>
@@ -11223,7 +11223,7 @@
               </a:ln>
               <a:extLst>
                 <a:ext uri="{91240B29-F687-4f45-9708-019B960494DF}">
-                  <a14:hiddenLine xmlns="" xmlns:a14="http://schemas.microsoft.com/office/drawing/2010/main" w="9525">
+                  <a14:hiddenLine xmlns:a14="http://schemas.microsoft.com/office/drawing/2010/main" xmlns="" w="9525">
                     <a:solidFill>
                       <a:srgbClr val="000000"/>
                     </a:solidFill>
@@ -11288,7 +11288,7 @@
               </a:ln>
               <a:extLst>
                 <a:ext uri="{91240B29-F687-4f45-9708-019B960494DF}">
-                  <a14:hiddenLine xmlns="" xmlns:a14="http://schemas.microsoft.com/office/drawing/2010/main" w="9525">
+                  <a14:hiddenLine xmlns:a14="http://schemas.microsoft.com/office/drawing/2010/main" xmlns="" w="9525">
                     <a:solidFill>
                       <a:srgbClr val="000000"/>
                     </a:solidFill>
@@ -11408,7 +11408,7 @@
               </a:ln>
               <a:extLst>
                 <a:ext uri="{91240B29-F687-4f45-9708-019B960494DF}">
-                  <a14:hiddenLine xmlns="" xmlns:a14="http://schemas.microsoft.com/office/drawing/2010/main" w="9525">
+                  <a14:hiddenLine xmlns:a14="http://schemas.microsoft.com/office/drawing/2010/main" xmlns="" w="9525">
                     <a:solidFill>
                       <a:srgbClr val="000000"/>
                     </a:solidFill>
@@ -11506,7 +11506,7 @@
               </a:ln>
               <a:extLst>
                 <a:ext uri="{91240B29-F687-4f45-9708-019B960494DF}">
-                  <a14:hiddenLine xmlns="" xmlns:a14="http://schemas.microsoft.com/office/drawing/2010/main" w="9525">
+                  <a14:hiddenLine xmlns:a14="http://schemas.microsoft.com/office/drawing/2010/main" xmlns="" w="9525">
                     <a:solidFill>
                       <a:srgbClr val="000000"/>
                     </a:solidFill>
@@ -11621,7 +11621,7 @@
               </a:ln>
               <a:extLst>
                 <a:ext uri="{91240B29-F687-4f45-9708-019B960494DF}">
-                  <a14:hiddenLine xmlns="" xmlns:a14="http://schemas.microsoft.com/office/drawing/2010/main" w="9525">
+                  <a14:hiddenLine xmlns:a14="http://schemas.microsoft.com/office/drawing/2010/main" xmlns="" w="9525">
                     <a:solidFill>
                       <a:srgbClr val="000000"/>
                     </a:solidFill>
@@ -11711,7 +11711,7 @@
               </a:ln>
               <a:extLst>
                 <a:ext uri="{91240B29-F687-4f45-9708-019B960494DF}">
-                  <a14:hiddenLine xmlns="" xmlns:a14="http://schemas.microsoft.com/office/drawing/2010/main" w="9525">
+                  <a14:hiddenLine xmlns:a14="http://schemas.microsoft.com/office/drawing/2010/main" xmlns="" w="9525">
                     <a:solidFill>
                       <a:srgbClr val="000000"/>
                     </a:solidFill>
@@ -11776,7 +11776,7 @@
               </a:ln>
               <a:extLst>
                 <a:ext uri="{91240B29-F687-4f45-9708-019B960494DF}">
-                  <a14:hiddenLine xmlns="" xmlns:a14="http://schemas.microsoft.com/office/drawing/2010/main" w="9525">
+                  <a14:hiddenLine xmlns:a14="http://schemas.microsoft.com/office/drawing/2010/main" xmlns="" w="9525">
                     <a:solidFill>
                       <a:srgbClr val="000000"/>
                     </a:solidFill>
@@ -11866,7 +11866,7 @@
               </a:ln>
               <a:extLst>
                 <a:ext uri="{91240B29-F687-4f45-9708-019B960494DF}">
-                  <a14:hiddenLine xmlns="" xmlns:a14="http://schemas.microsoft.com/office/drawing/2010/main" w="9525">
+                  <a14:hiddenLine xmlns:a14="http://schemas.microsoft.com/office/drawing/2010/main" xmlns="" w="9525">
                     <a:solidFill>
                       <a:srgbClr val="000000"/>
                     </a:solidFill>
@@ -11934,7 +11934,7 @@
               </a:ln>
               <a:extLst>
                 <a:ext uri="{91240B29-F687-4f45-9708-019B960494DF}">
-                  <a14:hiddenLine xmlns="" xmlns:a14="http://schemas.microsoft.com/office/drawing/2010/main" w="9525">
+                  <a14:hiddenLine xmlns:a14="http://schemas.microsoft.com/office/drawing/2010/main" xmlns="" w="9525">
                     <a:solidFill>
                       <a:srgbClr val="000000"/>
                     </a:solidFill>
@@ -12024,7 +12024,7 @@
               </a:ln>
               <a:extLst>
                 <a:ext uri="{91240B29-F687-4f45-9708-019B960494DF}">
-                  <a14:hiddenLine xmlns="" xmlns:a14="http://schemas.microsoft.com/office/drawing/2010/main" w="9525">
+                  <a14:hiddenLine xmlns:a14="http://schemas.microsoft.com/office/drawing/2010/main" xmlns="" w="9525">
                     <a:solidFill>
                       <a:srgbClr val="000000"/>
                     </a:solidFill>
@@ -12092,7 +12092,7 @@
               </a:ln>
               <a:extLst>
                 <a:ext uri="{91240B29-F687-4f45-9708-019B960494DF}">
-                  <a14:hiddenLine xmlns="" xmlns:a14="http://schemas.microsoft.com/office/drawing/2010/main" w="9525">
+                  <a14:hiddenLine xmlns:a14="http://schemas.microsoft.com/office/drawing/2010/main" xmlns="" w="9525">
                     <a:solidFill>
                       <a:srgbClr val="000000"/>
                     </a:solidFill>
@@ -12182,7 +12182,7 @@
               </a:ln>
               <a:extLst>
                 <a:ext uri="{91240B29-F687-4f45-9708-019B960494DF}">
-                  <a14:hiddenLine xmlns="" xmlns:a14="http://schemas.microsoft.com/office/drawing/2010/main" w="9525">
+                  <a14:hiddenLine xmlns:a14="http://schemas.microsoft.com/office/drawing/2010/main" xmlns="" w="9525">
                     <a:solidFill>
                       <a:srgbClr val="000000"/>
                     </a:solidFill>
@@ -12216,7 +12216,7 @@
               </a:ln>
               <a:extLst>
                 <a:ext uri="{91240B29-F687-4f45-9708-019B960494DF}">
-                  <a14:hiddenLine xmlns="" xmlns:a14="http://schemas.microsoft.com/office/drawing/2010/main" w="9525">
+                  <a14:hiddenLine xmlns:a14="http://schemas.microsoft.com/office/drawing/2010/main" xmlns="" w="9525">
                     <a:solidFill>
                       <a:srgbClr val="000000"/>
                     </a:solidFill>
@@ -12356,7 +12356,7 @@
           <a:p>
             <a:fld id="{04C84041-397A-4ABF-8C52-85B810290B3A}" type="datetime1">
               <a:rPr lang="en-US" smtClean="0"/>
-              <a:t>3/4/2018</a:t>
+              <a:t>3/13/2018</a:t>
             </a:fld>
             <a:endParaRPr lang="en-US" dirty="0"/>
           </a:p>
@@ -12395,10 +12395,6 @@
             </a:lvl1pPr>
           </a:lstStyle>
           <a:p>
-            <a:r>
-              <a:rPr lang="en-US"/>
-              <a:t>ZERO TO HERO SERIES</a:t>
-            </a:r>
             <a:endParaRPr lang="en-US" dirty="0"/>
           </a:p>
         </p:txBody>
@@ -12445,6 +12441,36 @@
           </a:p>
         </p:txBody>
       </p:sp>
+      <p:pic>
+        <p:nvPicPr>
+          <p:cNvPr id="48" name="Picture 47"/>
+          <p:cNvPicPr>
+            <a:picLocks noChangeAspect="1"/>
+          </p:cNvPicPr>
+          <p:nvPr userDrawn="1"/>
+        </p:nvPicPr>
+        <p:blipFill>
+          <a:blip r:embed="rId20">
+            <a:extLst>
+              <a:ext uri="{28A0092B-C50C-407E-A947-70E740481C1C}">
+                <a14:useLocalDpi xmlns:a14="http://schemas.microsoft.com/office/drawing/2010/main" val="0"/>
+              </a:ext>
+            </a:extLst>
+          </a:blip>
+          <a:stretch>
+            <a:fillRect/>
+          </a:stretch>
+        </p:blipFill>
+        <p:spPr>
+          <a:xfrm>
+            <a:off x="1116013" y="6338952"/>
+            <a:ext cx="2029645" cy="400212"/>
+          </a:xfrm>
+          <a:prstGeom prst="rect">
+            <a:avLst/>
+          </a:prstGeom>
+        </p:spPr>
+      </p:pic>
     </p:spTree>
   </p:cSld>
   <p:clrMap bg1="dk1" tx1="lt1" bg2="dk2" tx2="lt2" accent1="accent1" accent2="accent2" accent3="accent3" accent4="accent4" accent5="accent5" accent6="accent6" hlink="hlink" folHlink="folHlink"/>
@@ -12782,7 +12808,7 @@
           <p:cNvPr id="2" name="Title 1">
             <a:extLst>
               <a:ext uri="{FF2B5EF4-FFF2-40B4-BE49-F238E27FC236}">
-                <a16:creationId xmlns:a16="http://schemas.microsoft.com/office/drawing/2014/main" id="{43B74917-C0A9-4276-971E-761385F5BFD7}"/>
+                <a16:creationId xmlns:a16="http://schemas.microsoft.com/office/drawing/2014/main" xmlns="" id="{43B74917-C0A9-4276-971E-761385F5BFD7}"/>
               </a:ext>
             </a:extLst>
           </p:cNvPr>
@@ -12810,7 +12836,7 @@
           <p:cNvPr id="3" name="Subtitle 2">
             <a:extLst>
               <a:ext uri="{FF2B5EF4-FFF2-40B4-BE49-F238E27FC236}">
-                <a16:creationId xmlns:a16="http://schemas.microsoft.com/office/drawing/2014/main" id="{FDC26E4C-1DF1-481F-A9FD-62F74ED7D2AF}"/>
+                <a16:creationId xmlns:a16="http://schemas.microsoft.com/office/drawing/2014/main" xmlns="" id="{FDC26E4C-1DF1-481F-A9FD-62F74ED7D2AF}"/>
               </a:ext>
             </a:extLst>
           </p:cNvPr>
@@ -12880,7 +12906,7 @@
           <p:cNvPr id="2" name="Title 1">
             <a:extLst>
               <a:ext uri="{FF2B5EF4-FFF2-40B4-BE49-F238E27FC236}">
-                <a16:creationId xmlns:a16="http://schemas.microsoft.com/office/drawing/2014/main" id="{586505FD-F7DB-453C-905B-146E33F39EC6}"/>
+                <a16:creationId xmlns:a16="http://schemas.microsoft.com/office/drawing/2014/main" xmlns="" id="{586505FD-F7DB-453C-905B-146E33F39EC6}"/>
               </a:ext>
             </a:extLst>
           </p:cNvPr>
@@ -12908,7 +12934,7 @@
           <p:cNvPr id="3" name="Content Placeholder 2">
             <a:extLst>
               <a:ext uri="{FF2B5EF4-FFF2-40B4-BE49-F238E27FC236}">
-                <a16:creationId xmlns:a16="http://schemas.microsoft.com/office/drawing/2014/main" id="{869029A0-F9DB-46B8-A644-4F60A433F039}"/>
+                <a16:creationId xmlns:a16="http://schemas.microsoft.com/office/drawing/2014/main" xmlns="" id="{869029A0-F9DB-46B8-A644-4F60A433F039}"/>
               </a:ext>
             </a:extLst>
           </p:cNvPr>
@@ -12990,7 +13016,7 @@
           <p:cNvPr id="2" name="Title 1">
             <a:extLst>
               <a:ext uri="{FF2B5EF4-FFF2-40B4-BE49-F238E27FC236}">
-                <a16:creationId xmlns:a16="http://schemas.microsoft.com/office/drawing/2014/main" id="{2C6A01E1-B5EF-48AA-9ECC-D9354F61C2B4}"/>
+                <a16:creationId xmlns:a16="http://schemas.microsoft.com/office/drawing/2014/main" xmlns="" id="{2C6A01E1-B5EF-48AA-9ECC-D9354F61C2B4}"/>
               </a:ext>
             </a:extLst>
           </p:cNvPr>
@@ -13018,7 +13044,7 @@
           <p:cNvPr id="6" name="Content Placeholder 5">
             <a:extLst>
               <a:ext uri="{FF2B5EF4-FFF2-40B4-BE49-F238E27FC236}">
-                <a16:creationId xmlns:a16="http://schemas.microsoft.com/office/drawing/2014/main" id="{36FF05E0-D5F3-43D5-ACA3-7CED7C4BEF25}"/>
+                <a16:creationId xmlns:a16="http://schemas.microsoft.com/office/drawing/2014/main" xmlns="" id="{36FF05E0-D5F3-43D5-ACA3-7CED7C4BEF25}"/>
               </a:ext>
             </a:extLst>
           </p:cNvPr>
@@ -13077,7 +13103,7 @@
           <p:cNvPr id="2" name="Title 1">
             <a:extLst>
               <a:ext uri="{FF2B5EF4-FFF2-40B4-BE49-F238E27FC236}">
-                <a16:creationId xmlns:a16="http://schemas.microsoft.com/office/drawing/2014/main" id="{586505FD-F7DB-453C-905B-146E33F39EC6}"/>
+                <a16:creationId xmlns:a16="http://schemas.microsoft.com/office/drawing/2014/main" xmlns="" id="{586505FD-F7DB-453C-905B-146E33F39EC6}"/>
               </a:ext>
             </a:extLst>
           </p:cNvPr>
@@ -13105,7 +13131,7 @@
           <p:cNvPr id="3" name="Content Placeholder 2">
             <a:extLst>
               <a:ext uri="{FF2B5EF4-FFF2-40B4-BE49-F238E27FC236}">
-                <a16:creationId xmlns:a16="http://schemas.microsoft.com/office/drawing/2014/main" id="{869029A0-F9DB-46B8-A644-4F60A433F039}"/>
+                <a16:creationId xmlns:a16="http://schemas.microsoft.com/office/drawing/2014/main" xmlns="" id="{869029A0-F9DB-46B8-A644-4F60A433F039}"/>
               </a:ext>
             </a:extLst>
           </p:cNvPr>
@@ -13238,7 +13264,7 @@
           <p:cNvPr id="2" name="Title 1">
             <a:extLst>
               <a:ext uri="{FF2B5EF4-FFF2-40B4-BE49-F238E27FC236}">
-                <a16:creationId xmlns:a16="http://schemas.microsoft.com/office/drawing/2014/main" id="{E0F6A107-6AE4-4635-AF88-5306EFE65E77}"/>
+                <a16:creationId xmlns:a16="http://schemas.microsoft.com/office/drawing/2014/main" xmlns="" id="{E0F6A107-6AE4-4635-AF88-5306EFE65E77}"/>
               </a:ext>
             </a:extLst>
           </p:cNvPr>
@@ -13302,7 +13328,7 @@
           <p:cNvPr id="2" name="Title 1">
             <a:extLst>
               <a:ext uri="{FF2B5EF4-FFF2-40B4-BE49-F238E27FC236}">
-                <a16:creationId xmlns:a16="http://schemas.microsoft.com/office/drawing/2014/main" id="{586505FD-F7DB-453C-905B-146E33F39EC6}"/>
+                <a16:creationId xmlns:a16="http://schemas.microsoft.com/office/drawing/2014/main" xmlns="" id="{586505FD-F7DB-453C-905B-146E33F39EC6}"/>
               </a:ext>
             </a:extLst>
           </p:cNvPr>
@@ -13330,7 +13356,7 @@
           <p:cNvPr id="3" name="Content Placeholder 2">
             <a:extLst>
               <a:ext uri="{FF2B5EF4-FFF2-40B4-BE49-F238E27FC236}">
-                <a16:creationId xmlns:a16="http://schemas.microsoft.com/office/drawing/2014/main" id="{869029A0-F9DB-46B8-A644-4F60A433F039}"/>
+                <a16:creationId xmlns:a16="http://schemas.microsoft.com/office/drawing/2014/main" xmlns="" id="{869029A0-F9DB-46B8-A644-4F60A433F039}"/>
               </a:ext>
             </a:extLst>
           </p:cNvPr>
